--- a/LinguagemDePadroes.pptx
+++ b/LinguagemDePadroes.pptx
@@ -5,7 +5,9 @@
     <p:sldMasterId id="2147483648" r:id="rId1"/>
   </p:sldMasterIdLst>
   <p:sldIdLst>
-    <p:sldId id="256" r:id="rId2"/>
+    <p:sldId id="257" r:id="rId2"/>
+    <p:sldId id="258" r:id="rId3"/>
+    <p:sldId id="259" r:id="rId4"/>
   </p:sldIdLst>
   <p:sldSz cx="9144000" cy="6858000" type="screen4x3"/>
   <p:notesSz cx="6858000" cy="9144000"/>
@@ -288,7 +290,7 @@
           <a:p>
             <a:fld id="{65E92BA5-C1B8-4F7F-A3E6-CE1DBD20A2E0}" type="datetimeFigureOut">
               <a:rPr lang="pt-BR" smtClean="0"/>
-              <a:t>18/01/2012</a:t>
+              <a:t>06/02/2012</a:t>
             </a:fld>
             <a:endParaRPr lang="pt-BR"/>
           </a:p>
@@ -458,7 +460,7 @@
           <a:p>
             <a:fld id="{65E92BA5-C1B8-4F7F-A3E6-CE1DBD20A2E0}" type="datetimeFigureOut">
               <a:rPr lang="pt-BR" smtClean="0"/>
-              <a:t>18/01/2012</a:t>
+              <a:t>06/02/2012</a:t>
             </a:fld>
             <a:endParaRPr lang="pt-BR"/>
           </a:p>
@@ -638,7 +640,7 @@
           <a:p>
             <a:fld id="{65E92BA5-C1B8-4F7F-A3E6-CE1DBD20A2E0}" type="datetimeFigureOut">
               <a:rPr lang="pt-BR" smtClean="0"/>
-              <a:t>18/01/2012</a:t>
+              <a:t>06/02/2012</a:t>
             </a:fld>
             <a:endParaRPr lang="pt-BR"/>
           </a:p>
@@ -808,7 +810,7 @@
           <a:p>
             <a:fld id="{65E92BA5-C1B8-4F7F-A3E6-CE1DBD20A2E0}" type="datetimeFigureOut">
               <a:rPr lang="pt-BR" smtClean="0"/>
-              <a:t>18/01/2012</a:t>
+              <a:t>06/02/2012</a:t>
             </a:fld>
             <a:endParaRPr lang="pt-BR"/>
           </a:p>
@@ -1054,7 +1056,7 @@
           <a:p>
             <a:fld id="{65E92BA5-C1B8-4F7F-A3E6-CE1DBD20A2E0}" type="datetimeFigureOut">
               <a:rPr lang="pt-BR" smtClean="0"/>
-              <a:t>18/01/2012</a:t>
+              <a:t>06/02/2012</a:t>
             </a:fld>
             <a:endParaRPr lang="pt-BR"/>
           </a:p>
@@ -1342,7 +1344,7 @@
           <a:p>
             <a:fld id="{65E92BA5-C1B8-4F7F-A3E6-CE1DBD20A2E0}" type="datetimeFigureOut">
               <a:rPr lang="pt-BR" smtClean="0"/>
-              <a:t>18/01/2012</a:t>
+              <a:t>06/02/2012</a:t>
             </a:fld>
             <a:endParaRPr lang="pt-BR"/>
           </a:p>
@@ -1764,7 +1766,7 @@
           <a:p>
             <a:fld id="{65E92BA5-C1B8-4F7F-A3E6-CE1DBD20A2E0}" type="datetimeFigureOut">
               <a:rPr lang="pt-BR" smtClean="0"/>
-              <a:t>18/01/2012</a:t>
+              <a:t>06/02/2012</a:t>
             </a:fld>
             <a:endParaRPr lang="pt-BR"/>
           </a:p>
@@ -1882,7 +1884,7 @@
           <a:p>
             <a:fld id="{65E92BA5-C1B8-4F7F-A3E6-CE1DBD20A2E0}" type="datetimeFigureOut">
               <a:rPr lang="pt-BR" smtClean="0"/>
-              <a:t>18/01/2012</a:t>
+              <a:t>06/02/2012</a:t>
             </a:fld>
             <a:endParaRPr lang="pt-BR"/>
           </a:p>
@@ -1977,7 +1979,7 @@
           <a:p>
             <a:fld id="{65E92BA5-C1B8-4F7F-A3E6-CE1DBD20A2E0}" type="datetimeFigureOut">
               <a:rPr lang="pt-BR" smtClean="0"/>
-              <a:t>18/01/2012</a:t>
+              <a:t>06/02/2012</a:t>
             </a:fld>
             <a:endParaRPr lang="pt-BR"/>
           </a:p>
@@ -2254,7 +2256,7 @@
           <a:p>
             <a:fld id="{65E92BA5-C1B8-4F7F-A3E6-CE1DBD20A2E0}" type="datetimeFigureOut">
               <a:rPr lang="pt-BR" smtClean="0"/>
-              <a:t>18/01/2012</a:t>
+              <a:t>06/02/2012</a:t>
             </a:fld>
             <a:endParaRPr lang="pt-BR"/>
           </a:p>
@@ -2507,7 +2509,7 @@
           <a:p>
             <a:fld id="{65E92BA5-C1B8-4F7F-A3E6-CE1DBD20A2E0}" type="datetimeFigureOut">
               <a:rPr lang="pt-BR" smtClean="0"/>
-              <a:t>18/01/2012</a:t>
+              <a:t>06/02/2012</a:t>
             </a:fld>
             <a:endParaRPr lang="pt-BR"/>
           </a:p>
@@ -2720,7 +2722,7 @@
           <a:p>
             <a:fld id="{65E92BA5-C1B8-4F7F-A3E6-CE1DBD20A2E0}" type="datetimeFigureOut">
               <a:rPr lang="pt-BR" smtClean="0"/>
-              <a:t>18/01/2012</a:t>
+              <a:t>06/02/2012</a:t>
             </a:fld>
             <a:endParaRPr lang="pt-BR"/>
           </a:p>
@@ -3097,13 +3099,101 @@
       </p:grpSpPr>
       <p:sp>
         <p:nvSpPr>
+          <p:cNvPr id="5" name="Retângulo de cantos arredondados 4"/>
+          <p:cNvSpPr/>
+          <p:nvPr/>
+        </p:nvSpPr>
+        <p:spPr>
+          <a:xfrm>
+            <a:off x="5679526" y="1892952"/>
+            <a:ext cx="1535854" cy="787463"/>
+          </a:xfrm>
+          <a:prstGeom prst="roundRect">
+            <a:avLst/>
+          </a:prstGeom>
+        </p:spPr>
+        <p:style>
+          <a:lnRef idx="1">
+            <a:schemeClr val="accent1"/>
+          </a:lnRef>
+          <a:fillRef idx="2">
+            <a:schemeClr val="accent1"/>
+          </a:fillRef>
+          <a:effectRef idx="1">
+            <a:schemeClr val="accent1"/>
+          </a:effectRef>
+          <a:fontRef idx="minor">
+            <a:schemeClr val="dk1"/>
+          </a:fontRef>
+        </p:style>
+        <p:txBody>
+          <a:bodyPr rtlCol="0" anchor="ctr"/>
+          <a:lstStyle/>
+          <a:p>
+            <a:pPr algn="ctr"/>
+            <a:r>
+              <a:rPr lang="pt-BR" dirty="0" smtClean="0"/>
+              <a:t>Monte um canivete suíço</a:t>
+            </a:r>
+            <a:endParaRPr lang="pt-BR" dirty="0"/>
+          </a:p>
+        </p:txBody>
+      </p:sp>
+      <p:sp>
+        <p:nvSpPr>
+          <p:cNvPr id="6" name="Retângulo de cantos arredondados 5"/>
+          <p:cNvSpPr/>
+          <p:nvPr/>
+        </p:nvSpPr>
+        <p:spPr>
+          <a:xfrm>
+            <a:off x="4221822" y="4166274"/>
+            <a:ext cx="1296144" cy="720080"/>
+          </a:xfrm>
+          <a:prstGeom prst="roundRect">
+            <a:avLst/>
+          </a:prstGeom>
+        </p:spPr>
+        <p:style>
+          <a:lnRef idx="1">
+            <a:schemeClr val="accent1"/>
+          </a:lnRef>
+          <a:fillRef idx="2">
+            <a:schemeClr val="accent1"/>
+          </a:fillRef>
+          <a:effectRef idx="1">
+            <a:schemeClr val="accent1"/>
+          </a:effectRef>
+          <a:fontRef idx="minor">
+            <a:schemeClr val="dk1"/>
+          </a:fontRef>
+        </p:style>
+        <p:txBody>
+          <a:bodyPr rtlCol="0" anchor="ctr"/>
+          <a:lstStyle/>
+          <a:p>
+            <a:pPr algn="ctr"/>
+            <a:r>
+              <a:rPr lang="pt-BR" dirty="0" smtClean="0"/>
+              <a:t>Comece </a:t>
+            </a:r>
+            <a:r>
+              <a:rPr lang="pt-BR" dirty="0" smtClean="0"/>
+              <a:t>Ágil na Gestão</a:t>
+            </a:r>
+            <a:endParaRPr lang="pt-BR" dirty="0"/>
+          </a:p>
+        </p:txBody>
+      </p:sp>
+      <p:sp>
+        <p:nvSpPr>
           <p:cNvPr id="4" name="Retângulo de cantos arredondados 3"/>
           <p:cNvSpPr/>
           <p:nvPr/>
         </p:nvSpPr>
         <p:spPr>
           <a:xfrm>
-            <a:off x="1259632" y="908720"/>
+            <a:off x="3206119" y="2780928"/>
             <a:ext cx="1296144" cy="720080"/>
           </a:xfrm>
           <a:prstGeom prst="roundRect">
@@ -3111,19 +3201,17 @@
           </a:prstGeom>
         </p:spPr>
         <p:style>
-          <a:lnRef idx="2">
-            <a:schemeClr val="accent1">
-              <a:shade val="50000"/>
-            </a:schemeClr>
+          <a:lnRef idx="1">
+            <a:schemeClr val="accent1"/>
           </a:lnRef>
-          <a:fillRef idx="1">
+          <a:fillRef idx="2">
             <a:schemeClr val="accent1"/>
           </a:fillRef>
-          <a:effectRef idx="0">
+          <a:effectRef idx="1">
             <a:schemeClr val="accent1"/>
           </a:effectRef>
           <a:fontRef idx="minor">
-            <a:schemeClr val="lt1"/>
+            <a:schemeClr val="dk1"/>
           </a:fontRef>
         </p:style>
         <p:txBody>
@@ -3141,13 +3229,13 @@
       </p:sp>
       <p:sp>
         <p:nvSpPr>
-          <p:cNvPr id="5" name="Retângulo de cantos arredondados 4"/>
+          <p:cNvPr id="17" name="Retângulo de cantos arredondados 16"/>
           <p:cNvSpPr/>
           <p:nvPr/>
         </p:nvSpPr>
         <p:spPr>
           <a:xfrm>
-            <a:off x="4942075" y="1162599"/>
+            <a:off x="6571701" y="404664"/>
             <a:ext cx="1296144" cy="720080"/>
           </a:xfrm>
           <a:prstGeom prst="roundRect">
@@ -3155,19 +3243,17 @@
           </a:prstGeom>
         </p:spPr>
         <p:style>
-          <a:lnRef idx="2">
-            <a:schemeClr val="accent1">
-              <a:shade val="50000"/>
-            </a:schemeClr>
+          <a:lnRef idx="1">
+            <a:schemeClr val="accent1"/>
           </a:lnRef>
-          <a:fillRef idx="1">
+          <a:fillRef idx="2">
             <a:schemeClr val="accent1"/>
           </a:fillRef>
-          <a:effectRef idx="0">
+          <a:effectRef idx="1">
             <a:schemeClr val="accent1"/>
           </a:effectRef>
           <a:fontRef idx="minor">
-            <a:schemeClr val="lt1"/>
+            <a:schemeClr val="dk1"/>
           </a:fontRef>
         </p:style>
         <p:txBody>
@@ -3177,7 +3263,7 @@
             <a:pPr algn="ctr"/>
             <a:r>
               <a:rPr lang="pt-BR" dirty="0" smtClean="0"/>
-              <a:t>Monte um canivete suíço</a:t>
+              <a:t>Escreva na Parede</a:t>
             </a:r>
             <a:endParaRPr lang="pt-BR" dirty="0"/>
           </a:p>
@@ -3185,33 +3271,31 @@
       </p:sp>
       <p:sp>
         <p:nvSpPr>
-          <p:cNvPr id="6" name="Retângulo de cantos arredondados 5"/>
+          <p:cNvPr id="31" name="Retângulo de cantos arredondados 30"/>
           <p:cNvSpPr/>
           <p:nvPr/>
         </p:nvSpPr>
         <p:spPr>
           <a:xfrm>
-            <a:off x="2771800" y="2286871"/>
-            <a:ext cx="1296144" cy="720080"/>
+            <a:off x="2083282" y="4149080"/>
+            <a:ext cx="1368152" cy="720080"/>
           </a:xfrm>
           <a:prstGeom prst="roundRect">
             <a:avLst/>
           </a:prstGeom>
         </p:spPr>
         <p:style>
-          <a:lnRef idx="2">
-            <a:schemeClr val="accent1">
-              <a:shade val="50000"/>
-            </a:schemeClr>
+          <a:lnRef idx="1">
+            <a:schemeClr val="accent1"/>
           </a:lnRef>
-          <a:fillRef idx="1">
+          <a:fillRef idx="2">
             <a:schemeClr val="accent1"/>
           </a:fillRef>
-          <a:effectRef idx="0">
+          <a:effectRef idx="1">
             <a:schemeClr val="accent1"/>
           </a:effectRef>
           <a:fontRef idx="minor">
-            <a:schemeClr val="lt1"/>
+            <a:schemeClr val="dk1"/>
           </a:fontRef>
         </p:style>
         <p:txBody>
@@ -3221,11 +3305,95 @@
             <a:pPr algn="ctr"/>
             <a:r>
               <a:rPr lang="pt-BR" dirty="0" smtClean="0"/>
-              <a:t>Comece com </a:t>
-            </a:r>
-            <a:r>
-              <a:rPr lang="pt-BR" dirty="0" err="1" smtClean="0"/>
-              <a:t>Scrum</a:t>
+              <a:t>Automatize </a:t>
+            </a:r>
+            <a:r>
+              <a:rPr lang="pt-BR" dirty="0" smtClean="0"/>
+              <a:t>Testes</a:t>
+            </a:r>
+            <a:endParaRPr lang="pt-BR" dirty="0"/>
+          </a:p>
+        </p:txBody>
+      </p:sp>
+      <p:sp>
+        <p:nvSpPr>
+          <p:cNvPr id="32" name="Retângulo de cantos arredondados 31"/>
+          <p:cNvSpPr/>
+          <p:nvPr/>
+        </p:nvSpPr>
+        <p:spPr>
+          <a:xfrm>
+            <a:off x="2011274" y="5613239"/>
+            <a:ext cx="1440160" cy="720080"/>
+          </a:xfrm>
+          <a:prstGeom prst="roundRect">
+            <a:avLst/>
+          </a:prstGeom>
+        </p:spPr>
+        <p:style>
+          <a:lnRef idx="1">
+            <a:schemeClr val="accent1"/>
+          </a:lnRef>
+          <a:fillRef idx="2">
+            <a:schemeClr val="accent1"/>
+          </a:fillRef>
+          <a:effectRef idx="1">
+            <a:schemeClr val="accent1"/>
+          </a:effectRef>
+          <a:fontRef idx="minor">
+            <a:schemeClr val="dk1"/>
+          </a:fontRef>
+        </p:style>
+        <p:txBody>
+          <a:bodyPr rtlCol="0" anchor="ctr"/>
+          <a:lstStyle/>
+          <a:p>
+            <a:pPr algn="ctr"/>
+            <a:r>
+              <a:rPr lang="pt-BR" dirty="0" smtClean="0"/>
+              <a:t>Faça Refatoração</a:t>
+            </a:r>
+            <a:endParaRPr lang="pt-BR" dirty="0"/>
+          </a:p>
+        </p:txBody>
+      </p:sp>
+      <p:sp>
+        <p:nvSpPr>
+          <p:cNvPr id="38" name="Retângulo de cantos arredondados 37"/>
+          <p:cNvSpPr/>
+          <p:nvPr/>
+        </p:nvSpPr>
+        <p:spPr>
+          <a:xfrm>
+            <a:off x="7020272" y="2924944"/>
+            <a:ext cx="1473206" cy="816098"/>
+          </a:xfrm>
+          <a:prstGeom prst="roundRect">
+            <a:avLst/>
+          </a:prstGeom>
+        </p:spPr>
+        <p:style>
+          <a:lnRef idx="1">
+            <a:schemeClr val="accent1"/>
+          </a:lnRef>
+          <a:fillRef idx="2">
+            <a:schemeClr val="accent1"/>
+          </a:fillRef>
+          <a:effectRef idx="1">
+            <a:schemeClr val="accent1"/>
+          </a:effectRef>
+          <a:fontRef idx="minor">
+            <a:schemeClr val="dk1"/>
+          </a:fontRef>
+        </p:style>
+        <p:txBody>
+          <a:bodyPr rtlCol="0" anchor="ctr"/>
+          <a:lstStyle/>
+          <a:p>
+            <a:pPr algn="ctr"/>
+            <a:r>
+              <a:rPr lang="pt-BR" dirty="0" smtClean="0"/>
+              <a:t>Use Integração Contínua</a:t>
             </a:r>
             <a:endParaRPr lang="pt-BR" dirty="0"/>
           </a:p>
@@ -3233,22 +3401,17 @@
       </p:sp>
       <p:cxnSp>
         <p:nvCxnSpPr>
-          <p:cNvPr id="11" name="Conector angulado 10"/>
-          <p:cNvCxnSpPr>
-            <a:stCxn id="6" idx="3"/>
-            <a:endCxn id="5" idx="1"/>
-          </p:cNvCxnSpPr>
+          <p:cNvPr id="3" name="Conector de seta reta 2"/>
+          <p:cNvCxnSpPr/>
           <p:nvPr/>
         </p:nvCxnSpPr>
         <p:spPr>
-          <a:xfrm flipV="1">
-            <a:off x="4067944" y="1522639"/>
-            <a:ext cx="874131" cy="1124272"/>
-          </a:xfrm>
-          <a:prstGeom prst="bentConnector3">
-            <a:avLst>
-              <a:gd name="adj1" fmla="val 50000"/>
-            </a:avLst>
+          <a:xfrm>
+            <a:off x="2731354" y="4984421"/>
+            <a:ext cx="0" cy="552054"/>
+          </a:xfrm>
+          <a:prstGeom prst="straightConnector1">
+            <a:avLst/>
           </a:prstGeom>
           <a:ln>
             <a:tailEnd type="arrow"/>
@@ -3256,13 +3419,13 @@
         </p:spPr>
         <p:style>
           <a:lnRef idx="1">
-            <a:schemeClr val="accent1"/>
+            <a:schemeClr val="dk1"/>
           </a:lnRef>
           <a:fillRef idx="0">
-            <a:schemeClr val="accent1"/>
+            <a:schemeClr val="dk1"/>
           </a:fillRef>
           <a:effectRef idx="0">
-            <a:schemeClr val="accent1"/>
+            <a:schemeClr val="dk1"/>
           </a:effectRef>
           <a:fontRef idx="minor">
             <a:schemeClr val="tx1"/>
@@ -3271,19 +3434,16 @@
       </p:cxnSp>
       <p:cxnSp>
         <p:nvCxnSpPr>
-          <p:cNvPr id="13" name="Conector angulado 12"/>
-          <p:cNvCxnSpPr>
-            <a:stCxn id="4" idx="2"/>
-            <a:endCxn id="6" idx="0"/>
-          </p:cNvCxnSpPr>
+          <p:cNvPr id="12" name="Conector de seta reta 11"/>
+          <p:cNvCxnSpPr/>
           <p:nvPr/>
         </p:nvCxnSpPr>
         <p:spPr>
-          <a:xfrm rot="16200000" flipH="1">
-            <a:off x="2334753" y="1201751"/>
-            <a:ext cx="658071" cy="1512168"/>
-          </a:xfrm>
-          <a:prstGeom prst="bentConnector3">
+          <a:xfrm>
+            <a:off x="4304241" y="3622332"/>
+            <a:ext cx="396044" cy="471985"/>
+          </a:xfrm>
+          <a:prstGeom prst="straightConnector1">
             <a:avLst/>
           </a:prstGeom>
           <a:ln>
@@ -3292,93 +3452,13 @@
         </p:spPr>
         <p:style>
           <a:lnRef idx="1">
-            <a:schemeClr val="accent1"/>
+            <a:schemeClr val="dk1"/>
           </a:lnRef>
           <a:fillRef idx="0">
-            <a:schemeClr val="accent1"/>
+            <a:schemeClr val="dk1"/>
           </a:fillRef>
           <a:effectRef idx="0">
-            <a:schemeClr val="accent1"/>
-          </a:effectRef>
-          <a:fontRef idx="minor">
-            <a:schemeClr val="tx1"/>
-          </a:fontRef>
-        </p:style>
-      </p:cxnSp>
-      <p:sp>
-        <p:nvSpPr>
-          <p:cNvPr id="17" name="Retângulo de cantos arredondados 16"/>
-          <p:cNvSpPr/>
-          <p:nvPr/>
-        </p:nvSpPr>
-        <p:spPr>
-          <a:xfrm>
-            <a:off x="2771801" y="3838781"/>
-            <a:ext cx="1296144" cy="720080"/>
-          </a:xfrm>
-          <a:prstGeom prst="roundRect">
-            <a:avLst/>
-          </a:prstGeom>
-        </p:spPr>
-        <p:style>
-          <a:lnRef idx="2">
-            <a:schemeClr val="accent1">
-              <a:shade val="50000"/>
-            </a:schemeClr>
-          </a:lnRef>
-          <a:fillRef idx="1">
-            <a:schemeClr val="accent1"/>
-          </a:fillRef>
-          <a:effectRef idx="0">
-            <a:schemeClr val="accent1"/>
-          </a:effectRef>
-          <a:fontRef idx="minor">
-            <a:schemeClr val="lt1"/>
-          </a:fontRef>
-        </p:style>
-        <p:txBody>
-          <a:bodyPr rtlCol="0" anchor="ctr"/>
-          <a:lstStyle/>
-          <a:p>
-            <a:pPr algn="ctr"/>
-            <a:r>
-              <a:rPr lang="pt-BR" dirty="0" smtClean="0"/>
-              <a:t>Escreva na Parede</a:t>
-            </a:r>
-            <a:endParaRPr lang="pt-BR" dirty="0"/>
-          </a:p>
-        </p:txBody>
-      </p:sp>
-      <p:cxnSp>
-        <p:nvCxnSpPr>
-          <p:cNvPr id="19" name="Conector angulado 18"/>
-          <p:cNvCxnSpPr>
-            <a:stCxn id="6" idx="2"/>
-            <a:endCxn id="17" idx="0"/>
-          </p:cNvCxnSpPr>
-          <p:nvPr/>
-        </p:nvCxnSpPr>
-        <p:spPr>
-          <a:xfrm rot="16200000" flipH="1">
-            <a:off x="3003957" y="3422865"/>
-            <a:ext cx="831830" cy="1"/>
-          </a:xfrm>
-          <a:prstGeom prst="bentConnector3">
-            <a:avLst/>
-          </a:prstGeom>
-          <a:ln>
-            <a:tailEnd type="arrow"/>
-          </a:ln>
-        </p:spPr>
-        <p:style>
-          <a:lnRef idx="1">
-            <a:schemeClr val="accent1"/>
-          </a:lnRef>
-          <a:fillRef idx="0">
-            <a:schemeClr val="accent1"/>
-          </a:fillRef>
-          <a:effectRef idx="0">
-            <a:schemeClr val="accent1"/>
+            <a:schemeClr val="dk1"/>
           </a:effectRef>
           <a:fontRef idx="minor">
             <a:schemeClr val="tx1"/>
@@ -3387,19 +3467,16 @@
       </p:cxnSp>
       <p:cxnSp>
         <p:nvCxnSpPr>
-          <p:cNvPr id="21" name="Conector angulado 20"/>
-          <p:cNvCxnSpPr>
-            <a:stCxn id="4" idx="2"/>
-            <a:endCxn id="17" idx="1"/>
-          </p:cNvCxnSpPr>
+          <p:cNvPr id="40" name="Conector de seta reta 39"/>
+          <p:cNvCxnSpPr/>
           <p:nvPr/>
         </p:nvCxnSpPr>
         <p:spPr>
-          <a:xfrm rot="16200000" flipH="1">
-            <a:off x="1054742" y="2481761"/>
-            <a:ext cx="2570021" cy="864097"/>
-          </a:xfrm>
-          <a:prstGeom prst="bentConnector2">
+          <a:xfrm flipH="1">
+            <a:off x="3135538" y="3622331"/>
+            <a:ext cx="315896" cy="471986"/>
+          </a:xfrm>
+          <a:prstGeom prst="straightConnector1">
             <a:avLst/>
           </a:prstGeom>
           <a:ln>
@@ -3408,252 +3485,13 @@
         </p:spPr>
         <p:style>
           <a:lnRef idx="1">
-            <a:schemeClr val="accent1"/>
+            <a:schemeClr val="dk1"/>
           </a:lnRef>
           <a:fillRef idx="0">
-            <a:schemeClr val="accent1"/>
+            <a:schemeClr val="dk1"/>
           </a:fillRef>
           <a:effectRef idx="0">
-            <a:schemeClr val="accent1"/>
-          </a:effectRef>
-          <a:fontRef idx="minor">
-            <a:schemeClr val="tx1"/>
-          </a:fontRef>
-        </p:style>
-      </p:cxnSp>
-      <p:sp>
-        <p:nvSpPr>
-          <p:cNvPr id="31" name="Retângulo de cantos arredondados 30"/>
-          <p:cNvSpPr/>
-          <p:nvPr/>
-        </p:nvSpPr>
-        <p:spPr>
-          <a:xfrm>
-            <a:off x="1593417" y="5858526"/>
-            <a:ext cx="1296144" cy="720080"/>
-          </a:xfrm>
-          <a:prstGeom prst="roundRect">
-            <a:avLst/>
-          </a:prstGeom>
-        </p:spPr>
-        <p:style>
-          <a:lnRef idx="2">
-            <a:schemeClr val="accent1">
-              <a:shade val="50000"/>
-            </a:schemeClr>
-          </a:lnRef>
-          <a:fillRef idx="1">
-            <a:schemeClr val="accent1"/>
-          </a:fillRef>
-          <a:effectRef idx="0">
-            <a:schemeClr val="accent1"/>
-          </a:effectRef>
-          <a:fontRef idx="minor">
-            <a:schemeClr val="lt1"/>
-          </a:fontRef>
-        </p:style>
-        <p:txBody>
-          <a:bodyPr rtlCol="0" anchor="ctr"/>
-          <a:lstStyle/>
-          <a:p>
-            <a:pPr algn="ctr"/>
-            <a:r>
-              <a:rPr lang="pt-BR" dirty="0" smtClean="0"/>
-              <a:t>Faça Testes</a:t>
-            </a:r>
-            <a:endParaRPr lang="pt-BR" dirty="0"/>
-          </a:p>
-        </p:txBody>
-      </p:sp>
-      <p:sp>
-        <p:nvSpPr>
-          <p:cNvPr id="32" name="Retângulo de cantos arredondados 31"/>
-          <p:cNvSpPr/>
-          <p:nvPr/>
-        </p:nvSpPr>
-        <p:spPr>
-          <a:xfrm>
-            <a:off x="3439370" y="4725144"/>
-            <a:ext cx="1440160" cy="720080"/>
-          </a:xfrm>
-          <a:prstGeom prst="roundRect">
-            <a:avLst/>
-          </a:prstGeom>
-        </p:spPr>
-        <p:style>
-          <a:lnRef idx="2">
-            <a:schemeClr val="accent1">
-              <a:shade val="50000"/>
-            </a:schemeClr>
-          </a:lnRef>
-          <a:fillRef idx="1">
-            <a:schemeClr val="accent1"/>
-          </a:fillRef>
-          <a:effectRef idx="0">
-            <a:schemeClr val="accent1"/>
-          </a:effectRef>
-          <a:fontRef idx="minor">
-            <a:schemeClr val="lt1"/>
-          </a:fontRef>
-        </p:style>
-        <p:txBody>
-          <a:bodyPr rtlCol="0" anchor="ctr"/>
-          <a:lstStyle/>
-          <a:p>
-            <a:pPr algn="ctr"/>
-            <a:r>
-              <a:rPr lang="pt-BR" dirty="0" smtClean="0"/>
-              <a:t>Use Refatoração</a:t>
-            </a:r>
-            <a:endParaRPr lang="pt-BR" dirty="0"/>
-          </a:p>
-        </p:txBody>
-      </p:sp>
-      <p:cxnSp>
-        <p:nvCxnSpPr>
-          <p:cNvPr id="34" name="Conector angulado 33"/>
-          <p:cNvCxnSpPr>
-            <a:stCxn id="31" idx="0"/>
-            <a:endCxn id="32" idx="1"/>
-          </p:cNvCxnSpPr>
-          <p:nvPr/>
-        </p:nvCxnSpPr>
-        <p:spPr>
-          <a:xfrm rot="5400000" flipH="1" flipV="1">
-            <a:off x="2453758" y="4872915"/>
-            <a:ext cx="773342" cy="1197881"/>
-          </a:xfrm>
-          <a:prstGeom prst="bentConnector2">
-            <a:avLst/>
-          </a:prstGeom>
-          <a:ln>
-            <a:tailEnd type="arrow"/>
-          </a:ln>
-        </p:spPr>
-        <p:style>
-          <a:lnRef idx="1">
-            <a:schemeClr val="accent1"/>
-          </a:lnRef>
-          <a:fillRef idx="0">
-            <a:schemeClr val="accent1"/>
-          </a:fillRef>
-          <a:effectRef idx="0">
-            <a:schemeClr val="accent1"/>
-          </a:effectRef>
-          <a:fontRef idx="minor">
-            <a:schemeClr val="tx1"/>
-          </a:fontRef>
-        </p:style>
-      </p:cxnSp>
-      <p:sp>
-        <p:nvSpPr>
-          <p:cNvPr id="38" name="Retângulo de cantos arredondados 37"/>
-          <p:cNvSpPr/>
-          <p:nvPr/>
-        </p:nvSpPr>
-        <p:spPr>
-          <a:xfrm>
-            <a:off x="4942075" y="5517232"/>
-            <a:ext cx="1296144" cy="720080"/>
-          </a:xfrm>
-          <a:prstGeom prst="roundRect">
-            <a:avLst/>
-          </a:prstGeom>
-        </p:spPr>
-        <p:style>
-          <a:lnRef idx="2">
-            <a:schemeClr val="accent1">
-              <a:shade val="50000"/>
-            </a:schemeClr>
-          </a:lnRef>
-          <a:fillRef idx="1">
-            <a:schemeClr val="accent1"/>
-          </a:fillRef>
-          <a:effectRef idx="0">
-            <a:schemeClr val="accent1"/>
-          </a:effectRef>
-          <a:fontRef idx="minor">
-            <a:schemeClr val="lt1"/>
-          </a:fontRef>
-        </p:style>
-        <p:txBody>
-          <a:bodyPr rtlCol="0" anchor="ctr"/>
-          <a:lstStyle/>
-          <a:p>
-            <a:pPr algn="ctr"/>
-            <a:r>
-              <a:rPr lang="pt-BR" dirty="0" smtClean="0"/>
-              <a:t>Use Integração Contínua</a:t>
-            </a:r>
-            <a:endParaRPr lang="pt-BR" dirty="0"/>
-          </a:p>
-        </p:txBody>
-      </p:sp>
-      <p:cxnSp>
-        <p:nvCxnSpPr>
-          <p:cNvPr id="40" name="Conector angulado 39"/>
-          <p:cNvCxnSpPr>
-            <a:endCxn id="38" idx="0"/>
-          </p:cNvCxnSpPr>
-          <p:nvPr/>
-        </p:nvCxnSpPr>
-        <p:spPr>
-          <a:xfrm>
-            <a:off x="4716016" y="4769169"/>
-            <a:ext cx="874131" cy="748063"/>
-          </a:xfrm>
-          <a:prstGeom prst="bentConnector2">
-            <a:avLst/>
-          </a:prstGeom>
-          <a:ln>
-            <a:tailEnd type="arrow"/>
-          </a:ln>
-        </p:spPr>
-        <p:style>
-          <a:lnRef idx="1">
-            <a:schemeClr val="accent1"/>
-          </a:lnRef>
-          <a:fillRef idx="0">
-            <a:schemeClr val="accent1"/>
-          </a:fillRef>
-          <a:effectRef idx="0">
-            <a:schemeClr val="accent1"/>
-          </a:effectRef>
-          <a:fontRef idx="minor">
-            <a:schemeClr val="tx1"/>
-          </a:fontRef>
-        </p:style>
-      </p:cxnSp>
-      <p:cxnSp>
-        <p:nvCxnSpPr>
-          <p:cNvPr id="42" name="Conector angulado 41"/>
-          <p:cNvCxnSpPr>
-            <a:stCxn id="31" idx="3"/>
-            <a:endCxn id="38" idx="1"/>
-          </p:cNvCxnSpPr>
-          <p:nvPr/>
-        </p:nvCxnSpPr>
-        <p:spPr>
-          <a:xfrm flipV="1">
-            <a:off x="2889561" y="5877272"/>
-            <a:ext cx="2052514" cy="341294"/>
-          </a:xfrm>
-          <a:prstGeom prst="bentConnector3">
-            <a:avLst/>
-          </a:prstGeom>
-          <a:ln>
-            <a:tailEnd type="arrow"/>
-          </a:ln>
-        </p:spPr>
-        <p:style>
-          <a:lnRef idx="1">
-            <a:schemeClr val="accent1"/>
-          </a:lnRef>
-          <a:fillRef idx="0">
-            <a:schemeClr val="accent1"/>
-          </a:fillRef>
-          <a:effectRef idx="0">
-            <a:schemeClr val="accent1"/>
+            <a:schemeClr val="dk1"/>
           </a:effectRef>
           <a:fontRef idx="minor">
             <a:schemeClr val="tx1"/>
@@ -3663,13 +3501,3022 @@
     </p:spTree>
     <p:extLst>
       <p:ext uri="{BB962C8B-B14F-4D97-AF65-F5344CB8AC3E}">
-        <p14:creationId xmlns:p14="http://schemas.microsoft.com/office/powerpoint/2010/main" val="828248299"/>
+        <p14:creationId xmlns:p14="http://schemas.microsoft.com/office/powerpoint/2010/main" val="2569257467"/>
       </p:ext>
     </p:extLst>
   </p:cSld>
   <p:clrMapOvr>
     <a:masterClrMapping/>
   </p:clrMapOvr>
+  <mc:AlternateContent xmlns:mc="http://schemas.openxmlformats.org/markup-compatibility/2006">
+    <mc:Choice xmlns:p14="http://schemas.microsoft.com/office/powerpoint/2010/main" Requires="p14">
+      <p:transition spd="slow" p14:dur="2000"/>
+    </mc:Choice>
+    <mc:Fallback>
+      <p:transition spd="slow"/>
+    </mc:Fallback>
+  </mc:AlternateContent>
+  <p:timing>
+    <p:tnLst>
+      <p:par>
+        <p:cTn id="1" dur="indefinite" restart="never" nodeType="tmRoot"/>
+      </p:par>
+    </p:tnLst>
+  </p:timing>
+</p:sld>
+</file>
+
+<file path=ppt/slides/slide2.xml><?xml version="1.0" encoding="utf-8"?>
+<p:sld xmlns:a="http://schemas.openxmlformats.org/drawingml/2006/main" xmlns:r="http://schemas.openxmlformats.org/officeDocument/2006/relationships" xmlns:p="http://schemas.openxmlformats.org/presentationml/2006/main">
+  <p:cSld>
+    <p:spTree>
+      <p:nvGrpSpPr>
+        <p:cNvPr id="1" name=""/>
+        <p:cNvGrpSpPr/>
+        <p:nvPr/>
+      </p:nvGrpSpPr>
+      <p:grpSpPr>
+        <a:xfrm>
+          <a:off x="0" y="0"/>
+          <a:ext cx="0" cy="0"/>
+          <a:chOff x="0" y="0"/>
+          <a:chExt cx="0" cy="0"/>
+        </a:xfrm>
+      </p:grpSpPr>
+      <p:sp>
+        <p:nvSpPr>
+          <p:cNvPr id="39" name="CaixaDeTexto 38"/>
+          <p:cNvSpPr txBox="1"/>
+          <p:nvPr/>
+        </p:nvSpPr>
+        <p:spPr>
+          <a:xfrm>
+            <a:off x="-38259" y="2998693"/>
+            <a:ext cx="1978747" cy="646331"/>
+          </a:xfrm>
+          <a:prstGeom prst="rect">
+            <a:avLst/>
+          </a:prstGeom>
+          <a:noFill/>
+        </p:spPr>
+        <p:txBody>
+          <a:bodyPr wrap="none" rtlCol="0">
+            <a:spAutoFit/>
+          </a:bodyPr>
+          <a:lstStyle/>
+          <a:p>
+            <a:r>
+              <a:rPr lang="pt-BR" dirty="0" smtClean="0"/>
+              <a:t>Comprometimento</a:t>
+            </a:r>
+          </a:p>
+          <a:p>
+            <a:r>
+              <a:rPr lang="pt-BR" dirty="0" smtClean="0"/>
+              <a:t>com o projeto</a:t>
+            </a:r>
+            <a:endParaRPr lang="pt-BR" dirty="0"/>
+          </a:p>
+        </p:txBody>
+      </p:sp>
+      <p:sp>
+        <p:nvSpPr>
+          <p:cNvPr id="17" name="Retângulo de cantos arredondados 16"/>
+          <p:cNvSpPr/>
+          <p:nvPr/>
+        </p:nvSpPr>
+        <p:spPr>
+          <a:xfrm>
+            <a:off x="2771800" y="3478741"/>
+            <a:ext cx="1296144" cy="720080"/>
+          </a:xfrm>
+          <a:prstGeom prst="roundRect">
+            <a:avLst/>
+          </a:prstGeom>
+        </p:spPr>
+        <p:style>
+          <a:lnRef idx="1">
+            <a:schemeClr val="accent1"/>
+          </a:lnRef>
+          <a:fillRef idx="2">
+            <a:schemeClr val="accent1"/>
+          </a:fillRef>
+          <a:effectRef idx="1">
+            <a:schemeClr val="accent1"/>
+          </a:effectRef>
+          <a:fontRef idx="minor">
+            <a:schemeClr val="dk1"/>
+          </a:fontRef>
+        </p:style>
+        <p:txBody>
+          <a:bodyPr rtlCol="0" anchor="ctr"/>
+          <a:lstStyle/>
+          <a:p>
+            <a:pPr algn="ctr"/>
+            <a:r>
+              <a:rPr lang="pt-BR" dirty="0" smtClean="0"/>
+              <a:t>Escreva na Parede</a:t>
+            </a:r>
+            <a:endParaRPr lang="pt-BR" dirty="0"/>
+          </a:p>
+        </p:txBody>
+      </p:sp>
+      <p:sp>
+        <p:nvSpPr>
+          <p:cNvPr id="32" name="Retângulo de cantos arredondados 31"/>
+          <p:cNvSpPr/>
+          <p:nvPr/>
+        </p:nvSpPr>
+        <p:spPr>
+          <a:xfrm>
+            <a:off x="5940152" y="4192607"/>
+            <a:ext cx="1440160" cy="720080"/>
+          </a:xfrm>
+          <a:prstGeom prst="roundRect">
+            <a:avLst/>
+          </a:prstGeom>
+        </p:spPr>
+        <p:style>
+          <a:lnRef idx="1">
+            <a:schemeClr val="accent1"/>
+          </a:lnRef>
+          <a:fillRef idx="2">
+            <a:schemeClr val="accent1"/>
+          </a:fillRef>
+          <a:effectRef idx="1">
+            <a:schemeClr val="accent1"/>
+          </a:effectRef>
+          <a:fontRef idx="minor">
+            <a:schemeClr val="dk1"/>
+          </a:fontRef>
+        </p:style>
+        <p:txBody>
+          <a:bodyPr rtlCol="0" anchor="ctr"/>
+          <a:lstStyle/>
+          <a:p>
+            <a:pPr algn="ctr"/>
+            <a:r>
+              <a:rPr lang="pt-BR" dirty="0" smtClean="0"/>
+              <a:t>Faça Refatoração</a:t>
+            </a:r>
+            <a:endParaRPr lang="pt-BR" dirty="0"/>
+          </a:p>
+        </p:txBody>
+      </p:sp>
+      <p:sp>
+        <p:nvSpPr>
+          <p:cNvPr id="38" name="Retângulo de cantos arredondados 37"/>
+          <p:cNvSpPr/>
+          <p:nvPr/>
+        </p:nvSpPr>
+        <p:spPr>
+          <a:xfrm>
+            <a:off x="5835098" y="5565230"/>
+            <a:ext cx="1473206" cy="816098"/>
+          </a:xfrm>
+          <a:prstGeom prst="roundRect">
+            <a:avLst/>
+          </a:prstGeom>
+        </p:spPr>
+        <p:style>
+          <a:lnRef idx="1">
+            <a:schemeClr val="accent1"/>
+          </a:lnRef>
+          <a:fillRef idx="2">
+            <a:schemeClr val="accent1"/>
+          </a:fillRef>
+          <a:effectRef idx="1">
+            <a:schemeClr val="accent1"/>
+          </a:effectRef>
+          <a:fontRef idx="minor">
+            <a:schemeClr val="dk1"/>
+          </a:fontRef>
+        </p:style>
+        <p:txBody>
+          <a:bodyPr rtlCol="0" anchor="ctr"/>
+          <a:lstStyle/>
+          <a:p>
+            <a:pPr algn="ctr"/>
+            <a:r>
+              <a:rPr lang="pt-BR" dirty="0" smtClean="0"/>
+              <a:t>Use Integração Contínua</a:t>
+            </a:r>
+            <a:endParaRPr lang="pt-BR" dirty="0"/>
+          </a:p>
+        </p:txBody>
+      </p:sp>
+      <p:sp>
+        <p:nvSpPr>
+          <p:cNvPr id="28" name="CaixaDeTexto 27"/>
+          <p:cNvSpPr txBox="1"/>
+          <p:nvPr/>
+        </p:nvSpPr>
+        <p:spPr>
+          <a:xfrm>
+            <a:off x="107504" y="645826"/>
+            <a:ext cx="1733167" cy="369332"/>
+          </a:xfrm>
+          <a:prstGeom prst="rect">
+            <a:avLst/>
+          </a:prstGeom>
+          <a:noFill/>
+        </p:spPr>
+        <p:txBody>
+          <a:bodyPr wrap="none" rtlCol="0">
+            <a:spAutoFit/>
+          </a:bodyPr>
+          <a:lstStyle/>
+          <a:p>
+            <a:r>
+              <a:rPr lang="pt-BR" dirty="0" smtClean="0"/>
+              <a:t>Time mais unido</a:t>
+            </a:r>
+            <a:endParaRPr lang="pt-BR" dirty="0"/>
+          </a:p>
+        </p:txBody>
+      </p:sp>
+      <p:sp>
+        <p:nvSpPr>
+          <p:cNvPr id="29" name="Seta em curva para baixo 28"/>
+          <p:cNvSpPr/>
+          <p:nvPr/>
+        </p:nvSpPr>
+        <p:spPr>
+          <a:xfrm rot="1082065">
+            <a:off x="1782510" y="577129"/>
+            <a:ext cx="812800" cy="284777"/>
+          </a:xfrm>
+          <a:prstGeom prst="curvedDownArrow">
+            <a:avLst>
+              <a:gd name="adj1" fmla="val 25000"/>
+              <a:gd name="adj2" fmla="val 79574"/>
+              <a:gd name="adj3" fmla="val 36032"/>
+            </a:avLst>
+          </a:prstGeom>
+          <a:ln>
+            <a:solidFill>
+              <a:schemeClr val="tx1"/>
+            </a:solidFill>
+          </a:ln>
+        </p:spPr>
+        <p:style>
+          <a:lnRef idx="1">
+            <a:schemeClr val="accent2"/>
+          </a:lnRef>
+          <a:fillRef idx="3">
+            <a:schemeClr val="accent2"/>
+          </a:fillRef>
+          <a:effectRef idx="2">
+            <a:schemeClr val="accent2"/>
+          </a:effectRef>
+          <a:fontRef idx="minor">
+            <a:schemeClr val="lt1"/>
+          </a:fontRef>
+        </p:style>
+        <p:txBody>
+          <a:bodyPr rtlCol="0" anchor="ctr"/>
+          <a:lstStyle/>
+          <a:p>
+            <a:pPr algn="ctr"/>
+            <a:endParaRPr lang="pt-BR" b="1">
+              <a:ln w="18000">
+                <a:solidFill>
+                  <a:schemeClr val="accent2">
+                    <a:satMod val="140000"/>
+                  </a:schemeClr>
+                </a:solidFill>
+                <a:prstDash val="solid"/>
+                <a:miter lim="800000"/>
+              </a:ln>
+              <a:noFill/>
+              <a:effectLst>
+                <a:outerShdw blurRad="25500" dist="23000" dir="7020000" algn="tl">
+                  <a:srgbClr val="000000">
+                    <a:alpha val="50000"/>
+                  </a:srgbClr>
+                </a:outerShdw>
+              </a:effectLst>
+            </a:endParaRPr>
+          </a:p>
+        </p:txBody>
+      </p:sp>
+      <p:sp>
+        <p:nvSpPr>
+          <p:cNvPr id="44" name="CaixaDeTexto 43"/>
+          <p:cNvSpPr txBox="1"/>
+          <p:nvPr/>
+        </p:nvSpPr>
+        <p:spPr>
+          <a:xfrm>
+            <a:off x="7273170" y="2485565"/>
+            <a:ext cx="1787541" cy="646331"/>
+          </a:xfrm>
+          <a:prstGeom prst="rect">
+            <a:avLst/>
+          </a:prstGeom>
+          <a:noFill/>
+        </p:spPr>
+        <p:txBody>
+          <a:bodyPr wrap="none" rtlCol="0">
+            <a:spAutoFit/>
+          </a:bodyPr>
+          <a:lstStyle/>
+          <a:p>
+            <a:r>
+              <a:rPr lang="pt-BR" dirty="0" smtClean="0"/>
+              <a:t>Reduzir o tempo </a:t>
+            </a:r>
+          </a:p>
+          <a:p>
+            <a:r>
+              <a:rPr lang="pt-BR" dirty="0" smtClean="0"/>
+              <a:t>total do projeto</a:t>
+            </a:r>
+            <a:endParaRPr lang="pt-BR" dirty="0"/>
+          </a:p>
+        </p:txBody>
+      </p:sp>
+      <p:sp>
+        <p:nvSpPr>
+          <p:cNvPr id="46" name="CaixaDeTexto 45"/>
+          <p:cNvSpPr txBox="1"/>
+          <p:nvPr/>
+        </p:nvSpPr>
+        <p:spPr>
+          <a:xfrm>
+            <a:off x="5796136" y="3104035"/>
+            <a:ext cx="1287597" cy="646331"/>
+          </a:xfrm>
+          <a:prstGeom prst="rect">
+            <a:avLst/>
+          </a:prstGeom>
+          <a:noFill/>
+        </p:spPr>
+        <p:txBody>
+          <a:bodyPr wrap="none" rtlCol="0">
+            <a:spAutoFit/>
+          </a:bodyPr>
+          <a:lstStyle/>
+          <a:p>
+            <a:r>
+              <a:rPr lang="pt-BR" dirty="0" smtClean="0"/>
+              <a:t>Melhorar o </a:t>
+            </a:r>
+          </a:p>
+          <a:p>
+            <a:r>
+              <a:rPr lang="pt-BR" dirty="0" smtClean="0"/>
+              <a:t>código</a:t>
+            </a:r>
+            <a:endParaRPr lang="pt-BR" dirty="0"/>
+          </a:p>
+        </p:txBody>
+      </p:sp>
+      <p:sp>
+        <p:nvSpPr>
+          <p:cNvPr id="47" name="Seta em curva para baixo 46"/>
+          <p:cNvSpPr/>
+          <p:nvPr/>
+        </p:nvSpPr>
+        <p:spPr>
+          <a:xfrm rot="4093643">
+            <a:off x="6777263" y="3556347"/>
+            <a:ext cx="1312530" cy="446695"/>
+          </a:xfrm>
+          <a:prstGeom prst="curvedDownArrow">
+            <a:avLst>
+              <a:gd name="adj1" fmla="val 25000"/>
+              <a:gd name="adj2" fmla="val 53382"/>
+              <a:gd name="adj3" fmla="val 36032"/>
+            </a:avLst>
+          </a:prstGeom>
+          <a:ln>
+            <a:solidFill>
+              <a:schemeClr val="tx1"/>
+            </a:solidFill>
+          </a:ln>
+        </p:spPr>
+        <p:style>
+          <a:lnRef idx="1">
+            <a:schemeClr val="accent2"/>
+          </a:lnRef>
+          <a:fillRef idx="3">
+            <a:schemeClr val="accent2"/>
+          </a:fillRef>
+          <a:effectRef idx="2">
+            <a:schemeClr val="accent2"/>
+          </a:effectRef>
+          <a:fontRef idx="minor">
+            <a:schemeClr val="lt1"/>
+          </a:fontRef>
+        </p:style>
+        <p:txBody>
+          <a:bodyPr rtlCol="0" anchor="ctr"/>
+          <a:lstStyle/>
+          <a:p>
+            <a:pPr algn="ctr"/>
+            <a:endParaRPr lang="pt-BR" b="1">
+              <a:ln w="18000">
+                <a:solidFill>
+                  <a:schemeClr val="accent2">
+                    <a:satMod val="140000"/>
+                  </a:schemeClr>
+                </a:solidFill>
+                <a:prstDash val="solid"/>
+                <a:miter lim="800000"/>
+              </a:ln>
+              <a:noFill/>
+              <a:effectLst>
+                <a:outerShdw blurRad="25500" dist="23000" dir="7020000" algn="tl">
+                  <a:srgbClr val="000000">
+                    <a:alpha val="50000"/>
+                  </a:srgbClr>
+                </a:outerShdw>
+              </a:effectLst>
+            </a:endParaRPr>
+          </a:p>
+        </p:txBody>
+      </p:sp>
+      <p:sp>
+        <p:nvSpPr>
+          <p:cNvPr id="48" name="CaixaDeTexto 47"/>
+          <p:cNvSpPr txBox="1"/>
+          <p:nvPr/>
+        </p:nvSpPr>
+        <p:spPr>
+          <a:xfrm>
+            <a:off x="1060696" y="6051020"/>
+            <a:ext cx="1759584" cy="646331"/>
+          </a:xfrm>
+          <a:prstGeom prst="rect">
+            <a:avLst/>
+          </a:prstGeom>
+          <a:noFill/>
+        </p:spPr>
+        <p:txBody>
+          <a:bodyPr wrap="none" rtlCol="0">
+            <a:spAutoFit/>
+          </a:bodyPr>
+          <a:lstStyle/>
+          <a:p>
+            <a:r>
+              <a:rPr lang="pt-BR" dirty="0" smtClean="0"/>
+              <a:t>Reduzir os bugs, </a:t>
+            </a:r>
+          </a:p>
+          <a:p>
+            <a:r>
+              <a:rPr lang="pt-BR" dirty="0" smtClean="0"/>
+              <a:t>falhas e erros</a:t>
+            </a:r>
+            <a:endParaRPr lang="pt-BR" dirty="0"/>
+          </a:p>
+        </p:txBody>
+      </p:sp>
+      <p:sp>
+        <p:nvSpPr>
+          <p:cNvPr id="51" name="CaixaDeTexto 50"/>
+          <p:cNvSpPr txBox="1"/>
+          <p:nvPr/>
+        </p:nvSpPr>
+        <p:spPr>
+          <a:xfrm>
+            <a:off x="7194840" y="6021798"/>
+            <a:ext cx="1985672" cy="646331"/>
+          </a:xfrm>
+          <a:prstGeom prst="rect">
+            <a:avLst/>
+          </a:prstGeom>
+          <a:noFill/>
+        </p:spPr>
+        <p:txBody>
+          <a:bodyPr wrap="none" rtlCol="0">
+            <a:spAutoFit/>
+          </a:bodyPr>
+          <a:lstStyle/>
+          <a:p>
+            <a:pPr algn="r"/>
+            <a:r>
+              <a:rPr lang="pt-BR" dirty="0" smtClean="0"/>
+              <a:t>Agilize a execução</a:t>
+            </a:r>
+          </a:p>
+          <a:p>
+            <a:pPr algn="r"/>
+            <a:r>
+              <a:rPr lang="pt-BR" dirty="0" smtClean="0"/>
+              <a:t>dos testes e deploy</a:t>
+            </a:r>
+            <a:endParaRPr lang="pt-BR" dirty="0"/>
+          </a:p>
+        </p:txBody>
+      </p:sp>
+      <p:sp>
+        <p:nvSpPr>
+          <p:cNvPr id="52" name="Seta em curva para cima 51"/>
+          <p:cNvSpPr/>
+          <p:nvPr/>
+        </p:nvSpPr>
+        <p:spPr>
+          <a:xfrm rot="12332753">
+            <a:off x="7128074" y="5337723"/>
+            <a:ext cx="1458959" cy="463660"/>
+          </a:xfrm>
+          <a:prstGeom prst="curvedUpArrow">
+            <a:avLst>
+              <a:gd name="adj1" fmla="val 25000"/>
+              <a:gd name="adj2" fmla="val 54498"/>
+              <a:gd name="adj3" fmla="val 46453"/>
+            </a:avLst>
+          </a:prstGeom>
+          <a:ln>
+            <a:solidFill>
+              <a:schemeClr val="tx1"/>
+            </a:solidFill>
+          </a:ln>
+        </p:spPr>
+        <p:style>
+          <a:lnRef idx="1">
+            <a:schemeClr val="accent2"/>
+          </a:lnRef>
+          <a:fillRef idx="3">
+            <a:schemeClr val="accent2"/>
+          </a:fillRef>
+          <a:effectRef idx="2">
+            <a:schemeClr val="accent2"/>
+          </a:effectRef>
+          <a:fontRef idx="minor">
+            <a:schemeClr val="lt1"/>
+          </a:fontRef>
+        </p:style>
+        <p:txBody>
+          <a:bodyPr rtlCol="0" anchor="ctr"/>
+          <a:lstStyle/>
+          <a:p>
+            <a:pPr algn="ctr"/>
+            <a:endParaRPr lang="pt-BR">
+              <a:solidFill>
+                <a:schemeClr val="tx1"/>
+              </a:solidFill>
+            </a:endParaRPr>
+          </a:p>
+        </p:txBody>
+      </p:sp>
+      <p:sp>
+        <p:nvSpPr>
+          <p:cNvPr id="7" name="Seta em curva para baixo 6"/>
+          <p:cNvSpPr/>
+          <p:nvPr/>
+        </p:nvSpPr>
+        <p:spPr>
+          <a:xfrm rot="2271081">
+            <a:off x="2682812" y="1334718"/>
+            <a:ext cx="1156115" cy="334084"/>
+          </a:xfrm>
+          <a:prstGeom prst="curvedDownArrow">
+            <a:avLst>
+              <a:gd name="adj1" fmla="val 35903"/>
+              <a:gd name="adj2" fmla="val 87305"/>
+              <a:gd name="adj3" fmla="val 49525"/>
+            </a:avLst>
+          </a:prstGeom>
+          <a:ln>
+            <a:solidFill>
+              <a:schemeClr val="tx1"/>
+            </a:solidFill>
+          </a:ln>
+        </p:spPr>
+        <p:style>
+          <a:lnRef idx="1">
+            <a:schemeClr val="accent1"/>
+          </a:lnRef>
+          <a:fillRef idx="3">
+            <a:schemeClr val="accent1"/>
+          </a:fillRef>
+          <a:effectRef idx="2">
+            <a:schemeClr val="accent1"/>
+          </a:effectRef>
+          <a:fontRef idx="minor">
+            <a:schemeClr val="lt1"/>
+          </a:fontRef>
+        </p:style>
+        <p:txBody>
+          <a:bodyPr rtlCol="0" anchor="ctr"/>
+          <a:lstStyle/>
+          <a:p>
+            <a:pPr algn="ctr"/>
+            <a:endParaRPr lang="pt-BR">
+              <a:solidFill>
+                <a:schemeClr val="tx1"/>
+              </a:solidFill>
+            </a:endParaRPr>
+          </a:p>
+        </p:txBody>
+      </p:sp>
+      <p:sp>
+        <p:nvSpPr>
+          <p:cNvPr id="8" name="Seta em curva para a direita 7"/>
+          <p:cNvSpPr/>
+          <p:nvPr/>
+        </p:nvSpPr>
+        <p:spPr>
+          <a:xfrm rot="21310234">
+            <a:off x="2226598" y="1576488"/>
+            <a:ext cx="559920" cy="2182472"/>
+          </a:xfrm>
+          <a:prstGeom prst="curvedRightArrow">
+            <a:avLst>
+              <a:gd name="adj1" fmla="val 24026"/>
+              <a:gd name="adj2" fmla="val 58795"/>
+              <a:gd name="adj3" fmla="val 25802"/>
+            </a:avLst>
+          </a:prstGeom>
+          <a:ln>
+            <a:solidFill>
+              <a:schemeClr val="tx1"/>
+            </a:solidFill>
+          </a:ln>
+        </p:spPr>
+        <p:style>
+          <a:lnRef idx="1">
+            <a:schemeClr val="accent1"/>
+          </a:lnRef>
+          <a:fillRef idx="3">
+            <a:schemeClr val="accent1"/>
+          </a:fillRef>
+          <a:effectRef idx="2">
+            <a:schemeClr val="accent1"/>
+          </a:effectRef>
+          <a:fontRef idx="minor">
+            <a:schemeClr val="lt1"/>
+          </a:fontRef>
+        </p:style>
+        <p:txBody>
+          <a:bodyPr rtlCol="0" anchor="ctr"/>
+          <a:lstStyle/>
+          <a:p>
+            <a:pPr algn="ctr"/>
+            <a:endParaRPr lang="pt-BR">
+              <a:solidFill>
+                <a:schemeClr val="tx1"/>
+              </a:solidFill>
+            </a:endParaRPr>
+          </a:p>
+        </p:txBody>
+      </p:sp>
+      <p:sp>
+        <p:nvSpPr>
+          <p:cNvPr id="9" name="Seta em curva para a direita 8"/>
+          <p:cNvSpPr/>
+          <p:nvPr/>
+        </p:nvSpPr>
+        <p:spPr>
+          <a:xfrm rot="20730250">
+            <a:off x="2122931" y="1450000"/>
+            <a:ext cx="1233338" cy="4753295"/>
+          </a:xfrm>
+          <a:prstGeom prst="curvedRightArrow">
+            <a:avLst>
+              <a:gd name="adj1" fmla="val 8535"/>
+              <a:gd name="adj2" fmla="val 27642"/>
+              <a:gd name="adj3" fmla="val 28793"/>
+            </a:avLst>
+          </a:prstGeom>
+          <a:ln>
+            <a:solidFill>
+              <a:schemeClr val="tx1"/>
+            </a:solidFill>
+          </a:ln>
+        </p:spPr>
+        <p:style>
+          <a:lnRef idx="1">
+            <a:schemeClr val="accent1"/>
+          </a:lnRef>
+          <a:fillRef idx="3">
+            <a:schemeClr val="accent1"/>
+          </a:fillRef>
+          <a:effectRef idx="2">
+            <a:schemeClr val="accent1"/>
+          </a:effectRef>
+          <a:fontRef idx="minor">
+            <a:schemeClr val="lt1"/>
+          </a:fontRef>
+        </p:style>
+        <p:txBody>
+          <a:bodyPr rtlCol="0" anchor="ctr"/>
+          <a:lstStyle/>
+          <a:p>
+            <a:pPr algn="ctr"/>
+            <a:endParaRPr lang="pt-BR">
+              <a:solidFill>
+                <a:schemeClr val="tx1"/>
+              </a:solidFill>
+            </a:endParaRPr>
+          </a:p>
+        </p:txBody>
+      </p:sp>
+      <p:sp>
+        <p:nvSpPr>
+          <p:cNvPr id="41" name="Seta em curva para baixo 40"/>
+          <p:cNvSpPr/>
+          <p:nvPr/>
+        </p:nvSpPr>
+        <p:spPr>
+          <a:xfrm rot="820679">
+            <a:off x="1126134" y="2518179"/>
+            <a:ext cx="2484215" cy="772070"/>
+          </a:xfrm>
+          <a:prstGeom prst="curvedDownArrow">
+            <a:avLst>
+              <a:gd name="adj1" fmla="val 25000"/>
+              <a:gd name="adj2" fmla="val 53382"/>
+              <a:gd name="adj3" fmla="val 36032"/>
+            </a:avLst>
+          </a:prstGeom>
+          <a:ln>
+            <a:solidFill>
+              <a:schemeClr val="tx1"/>
+            </a:solidFill>
+          </a:ln>
+        </p:spPr>
+        <p:style>
+          <a:lnRef idx="1">
+            <a:schemeClr val="accent2"/>
+          </a:lnRef>
+          <a:fillRef idx="3">
+            <a:schemeClr val="accent2"/>
+          </a:fillRef>
+          <a:effectRef idx="2">
+            <a:schemeClr val="accent2"/>
+          </a:effectRef>
+          <a:fontRef idx="minor">
+            <a:schemeClr val="lt1"/>
+          </a:fontRef>
+        </p:style>
+        <p:txBody>
+          <a:bodyPr rtlCol="0" anchor="ctr"/>
+          <a:lstStyle/>
+          <a:p>
+            <a:pPr algn="ctr"/>
+            <a:endParaRPr lang="pt-BR" b="1">
+              <a:ln w="18000">
+                <a:solidFill>
+                  <a:schemeClr val="accent2">
+                    <a:satMod val="140000"/>
+                  </a:schemeClr>
+                </a:solidFill>
+                <a:prstDash val="solid"/>
+                <a:miter lim="800000"/>
+              </a:ln>
+              <a:noFill/>
+              <a:effectLst>
+                <a:outerShdw blurRad="25500" dist="23000" dir="7020000" algn="tl">
+                  <a:srgbClr val="000000">
+                    <a:alpha val="50000"/>
+                  </a:srgbClr>
+                </a:outerShdw>
+              </a:effectLst>
+            </a:endParaRPr>
+          </a:p>
+        </p:txBody>
+      </p:sp>
+      <p:sp>
+        <p:nvSpPr>
+          <p:cNvPr id="49" name="Seta em curva para baixo 48"/>
+          <p:cNvSpPr/>
+          <p:nvPr/>
+        </p:nvSpPr>
+        <p:spPr>
+          <a:xfrm rot="20750847">
+            <a:off x="1407546" y="4874687"/>
+            <a:ext cx="2740324" cy="854700"/>
+          </a:xfrm>
+          <a:prstGeom prst="curvedDownArrow">
+            <a:avLst>
+              <a:gd name="adj1" fmla="val 12202"/>
+              <a:gd name="adj2" fmla="val 53382"/>
+              <a:gd name="adj3" fmla="val 37748"/>
+            </a:avLst>
+          </a:prstGeom>
+          <a:ln>
+            <a:solidFill>
+              <a:schemeClr val="tx1"/>
+            </a:solidFill>
+          </a:ln>
+        </p:spPr>
+        <p:style>
+          <a:lnRef idx="1">
+            <a:schemeClr val="accent2"/>
+          </a:lnRef>
+          <a:fillRef idx="3">
+            <a:schemeClr val="accent2"/>
+          </a:fillRef>
+          <a:effectRef idx="2">
+            <a:schemeClr val="accent2"/>
+          </a:effectRef>
+          <a:fontRef idx="minor">
+            <a:schemeClr val="lt1"/>
+          </a:fontRef>
+        </p:style>
+        <p:txBody>
+          <a:bodyPr rtlCol="0" anchor="ctr"/>
+          <a:lstStyle/>
+          <a:p>
+            <a:pPr algn="ctr"/>
+            <a:endParaRPr lang="pt-BR" b="1">
+              <a:ln w="18000">
+                <a:solidFill>
+                  <a:schemeClr val="accent2">
+                    <a:satMod val="140000"/>
+                  </a:schemeClr>
+                </a:solidFill>
+                <a:prstDash val="solid"/>
+                <a:miter lim="800000"/>
+              </a:ln>
+              <a:noFill/>
+              <a:effectLst>
+                <a:outerShdw blurRad="25500" dist="23000" dir="7020000" algn="tl">
+                  <a:srgbClr val="000000">
+                    <a:alpha val="50000"/>
+                  </a:srgbClr>
+                </a:outerShdw>
+              </a:effectLst>
+            </a:endParaRPr>
+          </a:p>
+        </p:txBody>
+      </p:sp>
+      <p:sp>
+        <p:nvSpPr>
+          <p:cNvPr id="10" name="Seta em curva para a esquerda 9"/>
+          <p:cNvSpPr/>
+          <p:nvPr/>
+        </p:nvSpPr>
+        <p:spPr>
+          <a:xfrm rot="529140">
+            <a:off x="4041310" y="2598212"/>
+            <a:ext cx="445137" cy="1150377"/>
+          </a:xfrm>
+          <a:prstGeom prst="curvedLeftArrow">
+            <a:avLst>
+              <a:gd name="adj1" fmla="val 25000"/>
+              <a:gd name="adj2" fmla="val 62748"/>
+              <a:gd name="adj3" fmla="val 38934"/>
+            </a:avLst>
+          </a:prstGeom>
+          <a:ln>
+            <a:solidFill>
+              <a:schemeClr val="tx1"/>
+            </a:solidFill>
+          </a:ln>
+        </p:spPr>
+        <p:style>
+          <a:lnRef idx="1">
+            <a:schemeClr val="accent1"/>
+          </a:lnRef>
+          <a:fillRef idx="3">
+            <a:schemeClr val="accent1"/>
+          </a:fillRef>
+          <a:effectRef idx="2">
+            <a:schemeClr val="accent1"/>
+          </a:effectRef>
+          <a:fontRef idx="minor">
+            <a:schemeClr val="lt1"/>
+          </a:fontRef>
+        </p:style>
+        <p:txBody>
+          <a:bodyPr rtlCol="0" anchor="ctr"/>
+          <a:lstStyle/>
+          <a:p>
+            <a:pPr algn="ctr"/>
+            <a:endParaRPr lang="pt-BR">
+              <a:solidFill>
+                <a:schemeClr val="tx1"/>
+              </a:solidFill>
+            </a:endParaRPr>
+          </a:p>
+        </p:txBody>
+      </p:sp>
+      <p:sp>
+        <p:nvSpPr>
+          <p:cNvPr id="50" name="Seta em curva para a direita 49"/>
+          <p:cNvSpPr/>
+          <p:nvPr/>
+        </p:nvSpPr>
+        <p:spPr>
+          <a:xfrm rot="16658410">
+            <a:off x="5186211" y="5741772"/>
+            <a:ext cx="473643" cy="1352274"/>
+          </a:xfrm>
+          <a:prstGeom prst="curvedRightArrow">
+            <a:avLst>
+              <a:gd name="adj1" fmla="val 24026"/>
+              <a:gd name="adj2" fmla="val 58795"/>
+              <a:gd name="adj3" fmla="val 25802"/>
+            </a:avLst>
+          </a:prstGeom>
+          <a:ln>
+            <a:solidFill>
+              <a:schemeClr val="tx1"/>
+            </a:solidFill>
+          </a:ln>
+        </p:spPr>
+        <p:style>
+          <a:lnRef idx="1">
+            <a:schemeClr val="accent1"/>
+          </a:lnRef>
+          <a:fillRef idx="3">
+            <a:schemeClr val="accent1"/>
+          </a:fillRef>
+          <a:effectRef idx="2">
+            <a:schemeClr val="accent1"/>
+          </a:effectRef>
+          <a:fontRef idx="minor">
+            <a:schemeClr val="lt1"/>
+          </a:fontRef>
+        </p:style>
+        <p:txBody>
+          <a:bodyPr rtlCol="0" anchor="ctr"/>
+          <a:lstStyle/>
+          <a:p>
+            <a:pPr algn="ctr"/>
+            <a:endParaRPr lang="pt-BR">
+              <a:solidFill>
+                <a:schemeClr val="tx1"/>
+              </a:solidFill>
+            </a:endParaRPr>
+          </a:p>
+        </p:txBody>
+      </p:sp>
+      <p:sp>
+        <p:nvSpPr>
+          <p:cNvPr id="54" name="Seta em curva para a esquerda 53"/>
+          <p:cNvSpPr/>
+          <p:nvPr/>
+        </p:nvSpPr>
+        <p:spPr>
+          <a:xfrm rot="19788474">
+            <a:off x="4359773" y="1871793"/>
+            <a:ext cx="1314269" cy="3703781"/>
+          </a:xfrm>
+          <a:prstGeom prst="curvedLeftArrow">
+            <a:avLst>
+              <a:gd name="adj1" fmla="val 11157"/>
+              <a:gd name="adj2" fmla="val 30142"/>
+              <a:gd name="adj3" fmla="val 22174"/>
+            </a:avLst>
+          </a:prstGeom>
+          <a:ln>
+            <a:solidFill>
+              <a:schemeClr val="tx1"/>
+            </a:solidFill>
+          </a:ln>
+        </p:spPr>
+        <p:style>
+          <a:lnRef idx="1">
+            <a:schemeClr val="accent1"/>
+          </a:lnRef>
+          <a:fillRef idx="3">
+            <a:schemeClr val="accent1"/>
+          </a:fillRef>
+          <a:effectRef idx="2">
+            <a:schemeClr val="accent1"/>
+          </a:effectRef>
+          <a:fontRef idx="minor">
+            <a:schemeClr val="lt1"/>
+          </a:fontRef>
+        </p:style>
+        <p:txBody>
+          <a:bodyPr rtlCol="0" anchor="ctr"/>
+          <a:lstStyle/>
+          <a:p>
+            <a:pPr algn="ctr"/>
+            <a:endParaRPr lang="pt-BR">
+              <a:solidFill>
+                <a:schemeClr val="tx1"/>
+              </a:solidFill>
+            </a:endParaRPr>
+          </a:p>
+        </p:txBody>
+      </p:sp>
+      <p:sp>
+        <p:nvSpPr>
+          <p:cNvPr id="42" name="Seta em curva para a esquerda 41"/>
+          <p:cNvSpPr/>
+          <p:nvPr/>
+        </p:nvSpPr>
+        <p:spPr>
+          <a:xfrm rot="13793448">
+            <a:off x="4917311" y="3306398"/>
+            <a:ext cx="773821" cy="2329234"/>
+          </a:xfrm>
+          <a:prstGeom prst="curvedLeftArrow">
+            <a:avLst>
+              <a:gd name="adj1" fmla="val 12557"/>
+              <a:gd name="adj2" fmla="val 44609"/>
+              <a:gd name="adj3" fmla="val 35074"/>
+            </a:avLst>
+          </a:prstGeom>
+          <a:ln>
+            <a:solidFill>
+              <a:schemeClr val="tx1"/>
+            </a:solidFill>
+          </a:ln>
+        </p:spPr>
+        <p:style>
+          <a:lnRef idx="1">
+            <a:schemeClr val="accent1"/>
+          </a:lnRef>
+          <a:fillRef idx="3">
+            <a:schemeClr val="accent1"/>
+          </a:fillRef>
+          <a:effectRef idx="2">
+            <a:schemeClr val="accent1"/>
+          </a:effectRef>
+          <a:fontRef idx="minor">
+            <a:schemeClr val="lt1"/>
+          </a:fontRef>
+        </p:style>
+        <p:txBody>
+          <a:bodyPr rtlCol="0" anchor="ctr"/>
+          <a:lstStyle/>
+          <a:p>
+            <a:pPr algn="ctr"/>
+            <a:endParaRPr lang="pt-BR">
+              <a:solidFill>
+                <a:schemeClr val="tx1"/>
+              </a:solidFill>
+            </a:endParaRPr>
+          </a:p>
+        </p:txBody>
+      </p:sp>
+      <p:sp>
+        <p:nvSpPr>
+          <p:cNvPr id="35" name="Seta em curva para a direita 34"/>
+          <p:cNvSpPr/>
+          <p:nvPr/>
+        </p:nvSpPr>
+        <p:spPr>
+          <a:xfrm rot="2416271">
+            <a:off x="4504370" y="1571381"/>
+            <a:ext cx="1336052" cy="4068129"/>
+          </a:xfrm>
+          <a:prstGeom prst="curvedRightArrow">
+            <a:avLst>
+              <a:gd name="adj1" fmla="val 8526"/>
+              <a:gd name="adj2" fmla="val 29391"/>
+              <a:gd name="adj3" fmla="val 21341"/>
+            </a:avLst>
+          </a:prstGeom>
+          <a:ln>
+            <a:solidFill>
+              <a:schemeClr val="tx1"/>
+            </a:solidFill>
+          </a:ln>
+        </p:spPr>
+        <p:style>
+          <a:lnRef idx="1">
+            <a:schemeClr val="accent1"/>
+          </a:lnRef>
+          <a:fillRef idx="3">
+            <a:schemeClr val="accent1"/>
+          </a:fillRef>
+          <a:effectRef idx="2">
+            <a:schemeClr val="accent1"/>
+          </a:effectRef>
+          <a:fontRef idx="minor">
+            <a:schemeClr val="lt1"/>
+          </a:fontRef>
+        </p:style>
+        <p:txBody>
+          <a:bodyPr rtlCol="0" anchor="ctr"/>
+          <a:lstStyle/>
+          <a:p>
+            <a:pPr algn="ctr"/>
+            <a:endParaRPr lang="pt-BR">
+              <a:solidFill>
+                <a:schemeClr val="tx1"/>
+              </a:solidFill>
+            </a:endParaRPr>
+          </a:p>
+        </p:txBody>
+      </p:sp>
+      <p:sp>
+        <p:nvSpPr>
+          <p:cNvPr id="36" name="Seta em curva para a direita 35"/>
+          <p:cNvSpPr/>
+          <p:nvPr/>
+        </p:nvSpPr>
+        <p:spPr>
+          <a:xfrm rot="5400000">
+            <a:off x="4831525" y="450828"/>
+            <a:ext cx="664908" cy="2219775"/>
+          </a:xfrm>
+          <a:prstGeom prst="curvedRightArrow">
+            <a:avLst>
+              <a:gd name="adj1" fmla="val 24026"/>
+              <a:gd name="adj2" fmla="val 58795"/>
+              <a:gd name="adj3" fmla="val 39748"/>
+            </a:avLst>
+          </a:prstGeom>
+          <a:ln>
+            <a:solidFill>
+              <a:schemeClr val="tx1"/>
+            </a:solidFill>
+          </a:ln>
+        </p:spPr>
+        <p:style>
+          <a:lnRef idx="1">
+            <a:schemeClr val="accent1"/>
+          </a:lnRef>
+          <a:fillRef idx="3">
+            <a:schemeClr val="accent1"/>
+          </a:fillRef>
+          <a:effectRef idx="2">
+            <a:schemeClr val="accent1"/>
+          </a:effectRef>
+          <a:fontRef idx="minor">
+            <a:schemeClr val="lt1"/>
+          </a:fontRef>
+        </p:style>
+        <p:txBody>
+          <a:bodyPr rtlCol="0" anchor="ctr"/>
+          <a:lstStyle/>
+          <a:p>
+            <a:pPr algn="ctr"/>
+            <a:endParaRPr lang="pt-BR">
+              <a:solidFill>
+                <a:schemeClr val="tx1"/>
+              </a:solidFill>
+            </a:endParaRPr>
+          </a:p>
+        </p:txBody>
+      </p:sp>
+      <p:sp>
+        <p:nvSpPr>
+          <p:cNvPr id="30" name="Seta em curva para cima 29"/>
+          <p:cNvSpPr/>
+          <p:nvPr/>
+        </p:nvSpPr>
+        <p:spPr>
+          <a:xfrm rot="8872640">
+            <a:off x="3347713" y="246714"/>
+            <a:ext cx="2177438" cy="1261514"/>
+          </a:xfrm>
+          <a:prstGeom prst="curvedUpArrow">
+            <a:avLst>
+              <a:gd name="adj1" fmla="val 8360"/>
+              <a:gd name="adj2" fmla="val 24451"/>
+              <a:gd name="adj3" fmla="val 22663"/>
+            </a:avLst>
+          </a:prstGeom>
+          <a:ln>
+            <a:solidFill>
+              <a:schemeClr val="tx1"/>
+            </a:solidFill>
+          </a:ln>
+        </p:spPr>
+        <p:style>
+          <a:lnRef idx="1">
+            <a:schemeClr val="accent2"/>
+          </a:lnRef>
+          <a:fillRef idx="3">
+            <a:schemeClr val="accent2"/>
+          </a:fillRef>
+          <a:effectRef idx="2">
+            <a:schemeClr val="accent2"/>
+          </a:effectRef>
+          <a:fontRef idx="minor">
+            <a:schemeClr val="lt1"/>
+          </a:fontRef>
+        </p:style>
+        <p:txBody>
+          <a:bodyPr rtlCol="0" anchor="ctr"/>
+          <a:lstStyle/>
+          <a:p>
+            <a:pPr algn="ctr"/>
+            <a:endParaRPr lang="pt-BR">
+              <a:solidFill>
+                <a:schemeClr val="tx1"/>
+              </a:solidFill>
+            </a:endParaRPr>
+          </a:p>
+        </p:txBody>
+      </p:sp>
+      <p:sp>
+        <p:nvSpPr>
+          <p:cNvPr id="43" name="CaixaDeTexto 42"/>
+          <p:cNvSpPr txBox="1"/>
+          <p:nvPr/>
+        </p:nvSpPr>
+        <p:spPr>
+          <a:xfrm>
+            <a:off x="4103116" y="476672"/>
+            <a:ext cx="2197076" cy="646331"/>
+          </a:xfrm>
+          <a:prstGeom prst="rect">
+            <a:avLst/>
+          </a:prstGeom>
+          <a:solidFill>
+            <a:schemeClr val="bg1"/>
+          </a:solidFill>
+        </p:spPr>
+        <p:txBody>
+          <a:bodyPr wrap="none" rtlCol="0">
+            <a:spAutoFit/>
+          </a:bodyPr>
+          <a:lstStyle/>
+          <a:p>
+            <a:r>
+              <a:rPr lang="pt-BR" dirty="0" smtClean="0"/>
+              <a:t>Formas melhores de </a:t>
+            </a:r>
+          </a:p>
+          <a:p>
+            <a:r>
+              <a:rPr lang="pt-BR" dirty="0" smtClean="0"/>
+              <a:t>desenvolver software</a:t>
+            </a:r>
+            <a:endParaRPr lang="pt-BR" dirty="0"/>
+          </a:p>
+        </p:txBody>
+      </p:sp>
+      <p:sp>
+        <p:nvSpPr>
+          <p:cNvPr id="4" name="Retângulo de cantos arredondados 3"/>
+          <p:cNvSpPr/>
+          <p:nvPr/>
+        </p:nvSpPr>
+        <p:spPr>
+          <a:xfrm>
+            <a:off x="1610788" y="980728"/>
+            <a:ext cx="1296144" cy="720080"/>
+          </a:xfrm>
+          <a:prstGeom prst="roundRect">
+            <a:avLst/>
+          </a:prstGeom>
+        </p:spPr>
+        <p:style>
+          <a:lnRef idx="1">
+            <a:schemeClr val="accent1"/>
+          </a:lnRef>
+          <a:fillRef idx="2">
+            <a:schemeClr val="accent1"/>
+          </a:fillRef>
+          <a:effectRef idx="1">
+            <a:schemeClr val="accent1"/>
+          </a:effectRef>
+          <a:fontRef idx="minor">
+            <a:schemeClr val="dk1"/>
+          </a:fontRef>
+        </p:style>
+        <p:txBody>
+          <a:bodyPr rtlCol="0" anchor="ctr"/>
+          <a:lstStyle/>
+          <a:p>
+            <a:pPr algn="ctr"/>
+            <a:r>
+              <a:rPr lang="pt-BR" dirty="0" smtClean="0"/>
+              <a:t>Derrube as Barreiras</a:t>
+            </a:r>
+            <a:endParaRPr lang="pt-BR" dirty="0"/>
+          </a:p>
+        </p:txBody>
+      </p:sp>
+      <p:sp>
+        <p:nvSpPr>
+          <p:cNvPr id="5" name="Retângulo de cantos arredondados 4"/>
+          <p:cNvSpPr/>
+          <p:nvPr/>
+        </p:nvSpPr>
+        <p:spPr>
+          <a:xfrm>
+            <a:off x="5693016" y="1849449"/>
+            <a:ext cx="1535854" cy="787463"/>
+          </a:xfrm>
+          <a:prstGeom prst="roundRect">
+            <a:avLst/>
+          </a:prstGeom>
+        </p:spPr>
+        <p:style>
+          <a:lnRef idx="1">
+            <a:schemeClr val="accent1"/>
+          </a:lnRef>
+          <a:fillRef idx="2">
+            <a:schemeClr val="accent1"/>
+          </a:fillRef>
+          <a:effectRef idx="1">
+            <a:schemeClr val="accent1"/>
+          </a:effectRef>
+          <a:fontRef idx="minor">
+            <a:schemeClr val="dk1"/>
+          </a:fontRef>
+        </p:style>
+        <p:txBody>
+          <a:bodyPr rtlCol="0" anchor="ctr"/>
+          <a:lstStyle/>
+          <a:p>
+            <a:pPr algn="ctr"/>
+            <a:r>
+              <a:rPr lang="pt-BR" dirty="0" smtClean="0"/>
+              <a:t>Monte um canivete suíço</a:t>
+            </a:r>
+            <a:endParaRPr lang="pt-BR" dirty="0"/>
+          </a:p>
+        </p:txBody>
+      </p:sp>
+      <p:sp>
+        <p:nvSpPr>
+          <p:cNvPr id="55" name="Seta em curva para baixo 54"/>
+          <p:cNvSpPr/>
+          <p:nvPr/>
+        </p:nvSpPr>
+        <p:spPr>
+          <a:xfrm rot="21382818">
+            <a:off x="4297915" y="1609707"/>
+            <a:ext cx="1613766" cy="492806"/>
+          </a:xfrm>
+          <a:prstGeom prst="curvedDownArrow">
+            <a:avLst>
+              <a:gd name="adj1" fmla="val 22588"/>
+              <a:gd name="adj2" fmla="val 66712"/>
+              <a:gd name="adj3" fmla="val 49525"/>
+            </a:avLst>
+          </a:prstGeom>
+          <a:ln>
+            <a:solidFill>
+              <a:schemeClr val="tx1"/>
+            </a:solidFill>
+          </a:ln>
+        </p:spPr>
+        <p:style>
+          <a:lnRef idx="1">
+            <a:schemeClr val="accent1"/>
+          </a:lnRef>
+          <a:fillRef idx="3">
+            <a:schemeClr val="accent1"/>
+          </a:fillRef>
+          <a:effectRef idx="2">
+            <a:schemeClr val="accent1"/>
+          </a:effectRef>
+          <a:fontRef idx="minor">
+            <a:schemeClr val="lt1"/>
+          </a:fontRef>
+        </p:style>
+        <p:txBody>
+          <a:bodyPr rtlCol="0" anchor="ctr"/>
+          <a:lstStyle/>
+          <a:p>
+            <a:pPr algn="ctr"/>
+            <a:endParaRPr lang="pt-BR">
+              <a:solidFill>
+                <a:schemeClr val="tx1"/>
+              </a:solidFill>
+            </a:endParaRPr>
+          </a:p>
+        </p:txBody>
+      </p:sp>
+      <p:sp>
+        <p:nvSpPr>
+          <p:cNvPr id="6" name="Retângulo de cantos arredondados 5"/>
+          <p:cNvSpPr/>
+          <p:nvPr/>
+        </p:nvSpPr>
+        <p:spPr>
+          <a:xfrm>
+            <a:off x="3122956" y="1926831"/>
+            <a:ext cx="1296144" cy="720080"/>
+          </a:xfrm>
+          <a:prstGeom prst="roundRect">
+            <a:avLst/>
+          </a:prstGeom>
+        </p:spPr>
+        <p:style>
+          <a:lnRef idx="1">
+            <a:schemeClr val="accent1"/>
+          </a:lnRef>
+          <a:fillRef idx="2">
+            <a:schemeClr val="accent1"/>
+          </a:fillRef>
+          <a:effectRef idx="1">
+            <a:schemeClr val="accent1"/>
+          </a:effectRef>
+          <a:fontRef idx="minor">
+            <a:schemeClr val="dk1"/>
+          </a:fontRef>
+        </p:style>
+        <p:txBody>
+          <a:bodyPr rtlCol="0" anchor="ctr"/>
+          <a:lstStyle/>
+          <a:p>
+            <a:pPr algn="ctr"/>
+            <a:r>
+              <a:rPr lang="pt-BR" dirty="0" smtClean="0"/>
+              <a:t>Comece </a:t>
+            </a:r>
+            <a:r>
+              <a:rPr lang="pt-BR" dirty="0" smtClean="0"/>
+              <a:t>Ágil na Gestão</a:t>
+            </a:r>
+            <a:endParaRPr lang="pt-BR" dirty="0"/>
+          </a:p>
+        </p:txBody>
+      </p:sp>
+      <p:sp>
+        <p:nvSpPr>
+          <p:cNvPr id="45" name="Seta em curva para cima 44"/>
+          <p:cNvSpPr/>
+          <p:nvPr/>
+        </p:nvSpPr>
+        <p:spPr>
+          <a:xfrm rot="12811249">
+            <a:off x="7098209" y="1703326"/>
+            <a:ext cx="1185259" cy="448951"/>
+          </a:xfrm>
+          <a:prstGeom prst="curvedUpArrow">
+            <a:avLst>
+              <a:gd name="adj1" fmla="val 25000"/>
+              <a:gd name="adj2" fmla="val 54498"/>
+              <a:gd name="adj3" fmla="val 46453"/>
+            </a:avLst>
+          </a:prstGeom>
+          <a:ln>
+            <a:solidFill>
+              <a:schemeClr val="tx1"/>
+            </a:solidFill>
+          </a:ln>
+        </p:spPr>
+        <p:style>
+          <a:lnRef idx="1">
+            <a:schemeClr val="accent2"/>
+          </a:lnRef>
+          <a:fillRef idx="3">
+            <a:schemeClr val="accent2"/>
+          </a:fillRef>
+          <a:effectRef idx="2">
+            <a:schemeClr val="accent2"/>
+          </a:effectRef>
+          <a:fontRef idx="minor">
+            <a:schemeClr val="lt1"/>
+          </a:fontRef>
+        </p:style>
+        <p:txBody>
+          <a:bodyPr rtlCol="0" anchor="ctr"/>
+          <a:lstStyle/>
+          <a:p>
+            <a:pPr algn="ctr"/>
+            <a:endParaRPr lang="pt-BR">
+              <a:solidFill>
+                <a:schemeClr val="tx1"/>
+              </a:solidFill>
+            </a:endParaRPr>
+          </a:p>
+        </p:txBody>
+      </p:sp>
+      <p:sp>
+        <p:nvSpPr>
+          <p:cNvPr id="37" name="Seta em curva para a direita 36"/>
+          <p:cNvSpPr/>
+          <p:nvPr/>
+        </p:nvSpPr>
+        <p:spPr>
+          <a:xfrm rot="3507733">
+            <a:off x="6757107" y="60851"/>
+            <a:ext cx="815878" cy="1966434"/>
+          </a:xfrm>
+          <a:prstGeom prst="curvedRightArrow">
+            <a:avLst>
+              <a:gd name="adj1" fmla="val 9309"/>
+              <a:gd name="adj2" fmla="val 38466"/>
+              <a:gd name="adj3" fmla="val 39748"/>
+            </a:avLst>
+          </a:prstGeom>
+          <a:ln>
+            <a:solidFill>
+              <a:schemeClr val="tx1"/>
+            </a:solidFill>
+          </a:ln>
+        </p:spPr>
+        <p:style>
+          <a:lnRef idx="1">
+            <a:schemeClr val="accent1"/>
+          </a:lnRef>
+          <a:fillRef idx="3">
+            <a:schemeClr val="accent1"/>
+          </a:fillRef>
+          <a:effectRef idx="2">
+            <a:schemeClr val="accent1"/>
+          </a:effectRef>
+          <a:fontRef idx="minor">
+            <a:schemeClr val="lt1"/>
+          </a:fontRef>
+        </p:style>
+        <p:txBody>
+          <a:bodyPr rtlCol="0" anchor="ctr"/>
+          <a:lstStyle/>
+          <a:p>
+            <a:pPr algn="ctr"/>
+            <a:endParaRPr lang="pt-BR">
+              <a:solidFill>
+                <a:schemeClr val="tx1"/>
+              </a:solidFill>
+            </a:endParaRPr>
+          </a:p>
+        </p:txBody>
+      </p:sp>
+      <p:sp>
+        <p:nvSpPr>
+          <p:cNvPr id="40" name="Retângulo de cantos arredondados 39"/>
+          <p:cNvSpPr/>
+          <p:nvPr/>
+        </p:nvSpPr>
+        <p:spPr>
+          <a:xfrm>
+            <a:off x="7419749" y="729271"/>
+            <a:ext cx="1535854" cy="787463"/>
+          </a:xfrm>
+          <a:prstGeom prst="roundRect">
+            <a:avLst/>
+          </a:prstGeom>
+        </p:spPr>
+        <p:style>
+          <a:lnRef idx="1">
+            <a:schemeClr val="accent2"/>
+          </a:lnRef>
+          <a:fillRef idx="2">
+            <a:schemeClr val="accent2"/>
+          </a:fillRef>
+          <a:effectRef idx="1">
+            <a:schemeClr val="accent2"/>
+          </a:effectRef>
+          <a:fontRef idx="minor">
+            <a:schemeClr val="dk1"/>
+          </a:fontRef>
+        </p:style>
+        <p:txBody>
+          <a:bodyPr rtlCol="0" anchor="ctr"/>
+          <a:lstStyle/>
+          <a:p>
+            <a:pPr algn="ctr"/>
+            <a:r>
+              <a:rPr lang="pt-BR" dirty="0" smtClean="0"/>
+              <a:t>Envolva Todos [1]</a:t>
+            </a:r>
+            <a:endParaRPr lang="pt-BR" dirty="0"/>
+          </a:p>
+        </p:txBody>
+      </p:sp>
+      <p:sp>
+        <p:nvSpPr>
+          <p:cNvPr id="31" name="Retângulo de cantos arredondados 30"/>
+          <p:cNvSpPr/>
+          <p:nvPr/>
+        </p:nvSpPr>
+        <p:spPr>
+          <a:xfrm>
+            <a:off x="3923927" y="5445224"/>
+            <a:ext cx="1354195" cy="720080"/>
+          </a:xfrm>
+          <a:prstGeom prst="roundRect">
+            <a:avLst/>
+          </a:prstGeom>
+        </p:spPr>
+        <p:style>
+          <a:lnRef idx="1">
+            <a:schemeClr val="accent1"/>
+          </a:lnRef>
+          <a:fillRef idx="2">
+            <a:schemeClr val="accent1"/>
+          </a:fillRef>
+          <a:effectRef idx="1">
+            <a:schemeClr val="accent1"/>
+          </a:effectRef>
+          <a:fontRef idx="minor">
+            <a:schemeClr val="dk1"/>
+          </a:fontRef>
+        </p:style>
+        <p:txBody>
+          <a:bodyPr rtlCol="0" anchor="ctr"/>
+          <a:lstStyle/>
+          <a:p>
+            <a:pPr algn="ctr"/>
+            <a:r>
+              <a:rPr lang="pt-BR" dirty="0" smtClean="0"/>
+              <a:t>Automatize </a:t>
+            </a:r>
+            <a:r>
+              <a:rPr lang="pt-BR" dirty="0" smtClean="0"/>
+              <a:t>Testes</a:t>
+            </a:r>
+            <a:endParaRPr lang="pt-BR" dirty="0"/>
+          </a:p>
+        </p:txBody>
+      </p:sp>
+    </p:spTree>
+    <p:extLst>
+      <p:ext uri="{BB962C8B-B14F-4D97-AF65-F5344CB8AC3E}">
+        <p14:creationId xmlns:p14="http://schemas.microsoft.com/office/powerpoint/2010/main" val="2560826457"/>
+      </p:ext>
+    </p:extLst>
+  </p:cSld>
+  <p:clrMapOvr>
+    <a:masterClrMapping/>
+  </p:clrMapOvr>
+  <mc:AlternateContent xmlns:mc="http://schemas.openxmlformats.org/markup-compatibility/2006">
+    <mc:Choice xmlns:p14="http://schemas.microsoft.com/office/powerpoint/2010/main" Requires="p14">
+      <p:transition spd="slow" p14:dur="2000"/>
+    </mc:Choice>
+    <mc:Fallback>
+      <p:transition spd="slow"/>
+    </mc:Fallback>
+  </mc:AlternateContent>
+  <p:timing>
+    <p:tnLst>
+      <p:par>
+        <p:cTn id="1" dur="indefinite" restart="never" nodeType="tmRoot"/>
+      </p:par>
+    </p:tnLst>
+  </p:timing>
+</p:sld>
+</file>
+
+<file path=ppt/slides/slide3.xml><?xml version="1.0" encoding="utf-8"?>
+<p:sld xmlns:a="http://schemas.openxmlformats.org/drawingml/2006/main" xmlns:r="http://schemas.openxmlformats.org/officeDocument/2006/relationships" xmlns:p="http://schemas.openxmlformats.org/presentationml/2006/main">
+  <p:cSld>
+    <p:spTree>
+      <p:nvGrpSpPr>
+        <p:cNvPr id="1" name=""/>
+        <p:cNvGrpSpPr/>
+        <p:nvPr/>
+      </p:nvGrpSpPr>
+      <p:grpSpPr>
+        <a:xfrm>
+          <a:off x="0" y="0"/>
+          <a:ext cx="0" cy="0"/>
+          <a:chOff x="0" y="0"/>
+          <a:chExt cx="0" cy="0"/>
+        </a:xfrm>
+      </p:grpSpPr>
+      <p:sp>
+        <p:nvSpPr>
+          <p:cNvPr id="39" name="CaixaDeTexto 38"/>
+          <p:cNvSpPr txBox="1"/>
+          <p:nvPr/>
+        </p:nvSpPr>
+        <p:spPr>
+          <a:xfrm>
+            <a:off x="965" y="2998693"/>
+            <a:ext cx="1978747" cy="646331"/>
+          </a:xfrm>
+          <a:prstGeom prst="rect">
+            <a:avLst/>
+          </a:prstGeom>
+          <a:noFill/>
+        </p:spPr>
+        <p:txBody>
+          <a:bodyPr wrap="none" rtlCol="0">
+            <a:spAutoFit/>
+          </a:bodyPr>
+          <a:lstStyle/>
+          <a:p>
+            <a:r>
+              <a:rPr lang="pt-BR" dirty="0" smtClean="0"/>
+              <a:t>Comprometimento</a:t>
+            </a:r>
+          </a:p>
+          <a:p>
+            <a:r>
+              <a:rPr lang="pt-BR" dirty="0" smtClean="0"/>
+              <a:t>com o projeto</a:t>
+            </a:r>
+            <a:endParaRPr lang="pt-BR" dirty="0"/>
+          </a:p>
+        </p:txBody>
+      </p:sp>
+      <p:sp>
+        <p:nvSpPr>
+          <p:cNvPr id="5" name="Retângulo de cantos arredondados 4"/>
+          <p:cNvSpPr/>
+          <p:nvPr/>
+        </p:nvSpPr>
+        <p:spPr>
+          <a:xfrm>
+            <a:off x="5679526" y="1892952"/>
+            <a:ext cx="1535854" cy="787463"/>
+          </a:xfrm>
+          <a:prstGeom prst="roundRect">
+            <a:avLst/>
+          </a:prstGeom>
+        </p:spPr>
+        <p:style>
+          <a:lnRef idx="1">
+            <a:schemeClr val="accent1"/>
+          </a:lnRef>
+          <a:fillRef idx="2">
+            <a:schemeClr val="accent1"/>
+          </a:fillRef>
+          <a:effectRef idx="1">
+            <a:schemeClr val="accent1"/>
+          </a:effectRef>
+          <a:fontRef idx="minor">
+            <a:schemeClr val="dk1"/>
+          </a:fontRef>
+        </p:style>
+        <p:txBody>
+          <a:bodyPr rtlCol="0" anchor="ctr"/>
+          <a:lstStyle/>
+          <a:p>
+            <a:pPr algn="ctr"/>
+            <a:r>
+              <a:rPr lang="pt-BR" dirty="0" smtClean="0"/>
+              <a:t>Monte um canivete suíço</a:t>
+            </a:r>
+            <a:endParaRPr lang="pt-BR" dirty="0"/>
+          </a:p>
+        </p:txBody>
+      </p:sp>
+      <p:sp>
+        <p:nvSpPr>
+          <p:cNvPr id="6" name="Retângulo de cantos arredondados 5"/>
+          <p:cNvSpPr/>
+          <p:nvPr/>
+        </p:nvSpPr>
+        <p:spPr>
+          <a:xfrm>
+            <a:off x="3122956" y="1926831"/>
+            <a:ext cx="1296144" cy="720080"/>
+          </a:xfrm>
+          <a:prstGeom prst="roundRect">
+            <a:avLst/>
+          </a:prstGeom>
+        </p:spPr>
+        <p:style>
+          <a:lnRef idx="1">
+            <a:schemeClr val="accent1"/>
+          </a:lnRef>
+          <a:fillRef idx="2">
+            <a:schemeClr val="accent1"/>
+          </a:fillRef>
+          <a:effectRef idx="1">
+            <a:schemeClr val="accent1"/>
+          </a:effectRef>
+          <a:fontRef idx="minor">
+            <a:schemeClr val="dk1"/>
+          </a:fontRef>
+        </p:style>
+        <p:txBody>
+          <a:bodyPr rtlCol="0" anchor="ctr"/>
+          <a:lstStyle/>
+          <a:p>
+            <a:pPr algn="ctr"/>
+            <a:r>
+              <a:rPr lang="pt-BR" dirty="0" smtClean="0"/>
+              <a:t>Comece </a:t>
+            </a:r>
+            <a:r>
+              <a:rPr lang="pt-BR" dirty="0" smtClean="0"/>
+              <a:t>Ágil na Gestão</a:t>
+            </a:r>
+            <a:endParaRPr lang="pt-BR" dirty="0"/>
+          </a:p>
+        </p:txBody>
+      </p:sp>
+      <p:sp>
+        <p:nvSpPr>
+          <p:cNvPr id="4" name="Retângulo de cantos arredondados 3"/>
+          <p:cNvSpPr/>
+          <p:nvPr/>
+        </p:nvSpPr>
+        <p:spPr>
+          <a:xfrm>
+            <a:off x="1610788" y="980728"/>
+            <a:ext cx="1296144" cy="720080"/>
+          </a:xfrm>
+          <a:prstGeom prst="roundRect">
+            <a:avLst/>
+          </a:prstGeom>
+        </p:spPr>
+        <p:style>
+          <a:lnRef idx="1">
+            <a:schemeClr val="accent1"/>
+          </a:lnRef>
+          <a:fillRef idx="2">
+            <a:schemeClr val="accent1"/>
+          </a:fillRef>
+          <a:effectRef idx="1">
+            <a:schemeClr val="accent1"/>
+          </a:effectRef>
+          <a:fontRef idx="minor">
+            <a:schemeClr val="dk1"/>
+          </a:fontRef>
+        </p:style>
+        <p:txBody>
+          <a:bodyPr rtlCol="0" anchor="ctr"/>
+          <a:lstStyle/>
+          <a:p>
+            <a:pPr algn="ctr"/>
+            <a:r>
+              <a:rPr lang="pt-BR" dirty="0" smtClean="0"/>
+              <a:t>Derrube as Barreiras</a:t>
+            </a:r>
+            <a:endParaRPr lang="pt-BR" dirty="0"/>
+          </a:p>
+        </p:txBody>
+      </p:sp>
+      <p:sp>
+        <p:nvSpPr>
+          <p:cNvPr id="17" name="Retângulo de cantos arredondados 16"/>
+          <p:cNvSpPr/>
+          <p:nvPr/>
+        </p:nvSpPr>
+        <p:spPr>
+          <a:xfrm>
+            <a:off x="2771800" y="3478741"/>
+            <a:ext cx="1296144" cy="720080"/>
+          </a:xfrm>
+          <a:prstGeom prst="roundRect">
+            <a:avLst/>
+          </a:prstGeom>
+        </p:spPr>
+        <p:style>
+          <a:lnRef idx="1">
+            <a:schemeClr val="accent1"/>
+          </a:lnRef>
+          <a:fillRef idx="2">
+            <a:schemeClr val="accent1"/>
+          </a:fillRef>
+          <a:effectRef idx="1">
+            <a:schemeClr val="accent1"/>
+          </a:effectRef>
+          <a:fontRef idx="minor">
+            <a:schemeClr val="dk1"/>
+          </a:fontRef>
+        </p:style>
+        <p:txBody>
+          <a:bodyPr rtlCol="0" anchor="ctr"/>
+          <a:lstStyle/>
+          <a:p>
+            <a:pPr algn="ctr"/>
+            <a:r>
+              <a:rPr lang="pt-BR" dirty="0" smtClean="0"/>
+              <a:t>Escreva na Parede</a:t>
+            </a:r>
+            <a:endParaRPr lang="pt-BR" dirty="0"/>
+          </a:p>
+        </p:txBody>
+      </p:sp>
+      <p:sp>
+        <p:nvSpPr>
+          <p:cNvPr id="31" name="Retângulo de cantos arredondados 30"/>
+          <p:cNvSpPr/>
+          <p:nvPr/>
+        </p:nvSpPr>
+        <p:spPr>
+          <a:xfrm>
+            <a:off x="3923927" y="5445224"/>
+            <a:ext cx="1354195" cy="720080"/>
+          </a:xfrm>
+          <a:prstGeom prst="roundRect">
+            <a:avLst/>
+          </a:prstGeom>
+        </p:spPr>
+        <p:style>
+          <a:lnRef idx="1">
+            <a:schemeClr val="accent1"/>
+          </a:lnRef>
+          <a:fillRef idx="2">
+            <a:schemeClr val="accent1"/>
+          </a:fillRef>
+          <a:effectRef idx="1">
+            <a:schemeClr val="accent1"/>
+          </a:effectRef>
+          <a:fontRef idx="minor">
+            <a:schemeClr val="dk1"/>
+          </a:fontRef>
+        </p:style>
+        <p:txBody>
+          <a:bodyPr rtlCol="0" anchor="ctr"/>
+          <a:lstStyle/>
+          <a:p>
+            <a:pPr algn="ctr"/>
+            <a:r>
+              <a:rPr lang="pt-BR" dirty="0" smtClean="0"/>
+              <a:t>Automatize </a:t>
+            </a:r>
+            <a:r>
+              <a:rPr lang="pt-BR" dirty="0" smtClean="0"/>
+              <a:t>Testes</a:t>
+            </a:r>
+            <a:endParaRPr lang="pt-BR" dirty="0"/>
+          </a:p>
+        </p:txBody>
+      </p:sp>
+      <p:sp>
+        <p:nvSpPr>
+          <p:cNvPr id="32" name="Retângulo de cantos arredondados 31"/>
+          <p:cNvSpPr/>
+          <p:nvPr/>
+        </p:nvSpPr>
+        <p:spPr>
+          <a:xfrm>
+            <a:off x="5652120" y="4077072"/>
+            <a:ext cx="1440160" cy="720080"/>
+          </a:xfrm>
+          <a:prstGeom prst="roundRect">
+            <a:avLst/>
+          </a:prstGeom>
+        </p:spPr>
+        <p:style>
+          <a:lnRef idx="1">
+            <a:schemeClr val="accent1"/>
+          </a:lnRef>
+          <a:fillRef idx="2">
+            <a:schemeClr val="accent1"/>
+          </a:fillRef>
+          <a:effectRef idx="1">
+            <a:schemeClr val="accent1"/>
+          </a:effectRef>
+          <a:fontRef idx="minor">
+            <a:schemeClr val="dk1"/>
+          </a:fontRef>
+        </p:style>
+        <p:txBody>
+          <a:bodyPr rtlCol="0" anchor="ctr"/>
+          <a:lstStyle/>
+          <a:p>
+            <a:pPr algn="ctr"/>
+            <a:r>
+              <a:rPr lang="pt-BR" dirty="0" smtClean="0"/>
+              <a:t>Faça Refatoração</a:t>
+            </a:r>
+            <a:endParaRPr lang="pt-BR" dirty="0"/>
+          </a:p>
+        </p:txBody>
+      </p:sp>
+      <p:sp>
+        <p:nvSpPr>
+          <p:cNvPr id="38" name="Retângulo de cantos arredondados 37"/>
+          <p:cNvSpPr/>
+          <p:nvPr/>
+        </p:nvSpPr>
+        <p:spPr>
+          <a:xfrm>
+            <a:off x="5835098" y="5565230"/>
+            <a:ext cx="1473206" cy="816098"/>
+          </a:xfrm>
+          <a:prstGeom prst="roundRect">
+            <a:avLst/>
+          </a:prstGeom>
+        </p:spPr>
+        <p:style>
+          <a:lnRef idx="1">
+            <a:schemeClr val="accent1"/>
+          </a:lnRef>
+          <a:fillRef idx="2">
+            <a:schemeClr val="accent1"/>
+          </a:fillRef>
+          <a:effectRef idx="1">
+            <a:schemeClr val="accent1"/>
+          </a:effectRef>
+          <a:fontRef idx="minor">
+            <a:schemeClr val="dk1"/>
+          </a:fontRef>
+        </p:style>
+        <p:txBody>
+          <a:bodyPr rtlCol="0" anchor="ctr"/>
+          <a:lstStyle/>
+          <a:p>
+            <a:pPr algn="ctr"/>
+            <a:r>
+              <a:rPr lang="pt-BR" dirty="0" smtClean="0"/>
+              <a:t>Use Integração Contínua</a:t>
+            </a:r>
+            <a:endParaRPr lang="pt-BR" dirty="0"/>
+          </a:p>
+        </p:txBody>
+      </p:sp>
+      <p:sp>
+        <p:nvSpPr>
+          <p:cNvPr id="28" name="CaixaDeTexto 27"/>
+          <p:cNvSpPr txBox="1"/>
+          <p:nvPr/>
+        </p:nvSpPr>
+        <p:spPr>
+          <a:xfrm>
+            <a:off x="107504" y="645826"/>
+            <a:ext cx="1733167" cy="369332"/>
+          </a:xfrm>
+          <a:prstGeom prst="rect">
+            <a:avLst/>
+          </a:prstGeom>
+          <a:noFill/>
+        </p:spPr>
+        <p:txBody>
+          <a:bodyPr wrap="none" rtlCol="0">
+            <a:spAutoFit/>
+          </a:bodyPr>
+          <a:lstStyle/>
+          <a:p>
+            <a:r>
+              <a:rPr lang="pt-BR" dirty="0" smtClean="0"/>
+              <a:t>Time mais unido</a:t>
+            </a:r>
+            <a:endParaRPr lang="pt-BR" dirty="0"/>
+          </a:p>
+        </p:txBody>
+      </p:sp>
+      <p:sp>
+        <p:nvSpPr>
+          <p:cNvPr id="29" name="Seta em curva para baixo 28"/>
+          <p:cNvSpPr/>
+          <p:nvPr/>
+        </p:nvSpPr>
+        <p:spPr>
+          <a:xfrm rot="1082065">
+            <a:off x="1782510" y="577129"/>
+            <a:ext cx="812800" cy="284777"/>
+          </a:xfrm>
+          <a:prstGeom prst="curvedDownArrow">
+            <a:avLst>
+              <a:gd name="adj1" fmla="val 25000"/>
+              <a:gd name="adj2" fmla="val 79574"/>
+              <a:gd name="adj3" fmla="val 36032"/>
+            </a:avLst>
+          </a:prstGeom>
+        </p:spPr>
+        <p:style>
+          <a:lnRef idx="1">
+            <a:schemeClr val="accent2"/>
+          </a:lnRef>
+          <a:fillRef idx="2">
+            <a:schemeClr val="accent2"/>
+          </a:fillRef>
+          <a:effectRef idx="1">
+            <a:schemeClr val="accent2"/>
+          </a:effectRef>
+          <a:fontRef idx="minor">
+            <a:schemeClr val="dk1"/>
+          </a:fontRef>
+        </p:style>
+        <p:txBody>
+          <a:bodyPr rtlCol="0" anchor="ctr"/>
+          <a:lstStyle/>
+          <a:p>
+            <a:pPr algn="ctr"/>
+            <a:endParaRPr lang="pt-BR" b="1">
+              <a:ln w="18000">
+                <a:solidFill>
+                  <a:schemeClr val="accent2">
+                    <a:satMod val="140000"/>
+                  </a:schemeClr>
+                </a:solidFill>
+                <a:prstDash val="solid"/>
+                <a:miter lim="800000"/>
+              </a:ln>
+              <a:noFill/>
+              <a:effectLst>
+                <a:outerShdw blurRad="25500" dist="23000" dir="7020000" algn="tl">
+                  <a:srgbClr val="000000">
+                    <a:alpha val="50000"/>
+                  </a:srgbClr>
+                </a:outerShdw>
+              </a:effectLst>
+            </a:endParaRPr>
+          </a:p>
+        </p:txBody>
+      </p:sp>
+      <p:sp>
+        <p:nvSpPr>
+          <p:cNvPr id="43" name="CaixaDeTexto 42"/>
+          <p:cNvSpPr txBox="1"/>
+          <p:nvPr/>
+        </p:nvSpPr>
+        <p:spPr>
+          <a:xfrm>
+            <a:off x="4823014" y="908720"/>
+            <a:ext cx="2197076" cy="646331"/>
+          </a:xfrm>
+          <a:prstGeom prst="rect">
+            <a:avLst/>
+          </a:prstGeom>
+          <a:noFill/>
+        </p:spPr>
+        <p:txBody>
+          <a:bodyPr wrap="none" rtlCol="0">
+            <a:spAutoFit/>
+          </a:bodyPr>
+          <a:lstStyle/>
+          <a:p>
+            <a:r>
+              <a:rPr lang="pt-BR" dirty="0" smtClean="0"/>
+              <a:t>Formas melhores de </a:t>
+            </a:r>
+          </a:p>
+          <a:p>
+            <a:r>
+              <a:rPr lang="pt-BR" dirty="0" smtClean="0"/>
+              <a:t>desenvolver software</a:t>
+            </a:r>
+            <a:endParaRPr lang="pt-BR" dirty="0"/>
+          </a:p>
+        </p:txBody>
+      </p:sp>
+      <p:sp>
+        <p:nvSpPr>
+          <p:cNvPr id="30" name="Seta em curva para cima 29"/>
+          <p:cNvSpPr/>
+          <p:nvPr/>
+        </p:nvSpPr>
+        <p:spPr>
+          <a:xfrm rot="8818537">
+            <a:off x="3658225" y="849325"/>
+            <a:ext cx="1840666" cy="627596"/>
+          </a:xfrm>
+          <a:prstGeom prst="curvedUpArrow">
+            <a:avLst>
+              <a:gd name="adj1" fmla="val 25000"/>
+              <a:gd name="adj2" fmla="val 54498"/>
+              <a:gd name="adj3" fmla="val 46453"/>
+            </a:avLst>
+          </a:prstGeom>
+        </p:spPr>
+        <p:style>
+          <a:lnRef idx="1">
+            <a:schemeClr val="accent2"/>
+          </a:lnRef>
+          <a:fillRef idx="2">
+            <a:schemeClr val="accent2"/>
+          </a:fillRef>
+          <a:effectRef idx="1">
+            <a:schemeClr val="accent2"/>
+          </a:effectRef>
+          <a:fontRef idx="minor">
+            <a:schemeClr val="dk1"/>
+          </a:fontRef>
+        </p:style>
+        <p:txBody>
+          <a:bodyPr rtlCol="0" anchor="ctr"/>
+          <a:lstStyle/>
+          <a:p>
+            <a:pPr algn="ctr"/>
+            <a:endParaRPr lang="pt-BR">
+              <a:solidFill>
+                <a:schemeClr val="tx1"/>
+              </a:solidFill>
+            </a:endParaRPr>
+          </a:p>
+        </p:txBody>
+      </p:sp>
+      <p:sp>
+        <p:nvSpPr>
+          <p:cNvPr id="44" name="CaixaDeTexto 43"/>
+          <p:cNvSpPr txBox="1"/>
+          <p:nvPr/>
+        </p:nvSpPr>
+        <p:spPr>
+          <a:xfrm>
+            <a:off x="7273170" y="2485565"/>
+            <a:ext cx="1787541" cy="646331"/>
+          </a:xfrm>
+          <a:prstGeom prst="rect">
+            <a:avLst/>
+          </a:prstGeom>
+          <a:noFill/>
+        </p:spPr>
+        <p:txBody>
+          <a:bodyPr wrap="none" rtlCol="0">
+            <a:spAutoFit/>
+          </a:bodyPr>
+          <a:lstStyle/>
+          <a:p>
+            <a:r>
+              <a:rPr lang="pt-BR" dirty="0" smtClean="0"/>
+              <a:t>Reduzir o tempo </a:t>
+            </a:r>
+          </a:p>
+          <a:p>
+            <a:r>
+              <a:rPr lang="pt-BR" dirty="0" smtClean="0"/>
+              <a:t>total do projeto</a:t>
+            </a:r>
+            <a:endParaRPr lang="pt-BR" dirty="0"/>
+          </a:p>
+        </p:txBody>
+      </p:sp>
+      <p:sp>
+        <p:nvSpPr>
+          <p:cNvPr id="45" name="Seta em curva para cima 44"/>
+          <p:cNvSpPr/>
+          <p:nvPr/>
+        </p:nvSpPr>
+        <p:spPr>
+          <a:xfrm rot="12811249">
+            <a:off x="7098209" y="1703326"/>
+            <a:ext cx="1185259" cy="448951"/>
+          </a:xfrm>
+          <a:prstGeom prst="curvedUpArrow">
+            <a:avLst>
+              <a:gd name="adj1" fmla="val 25000"/>
+              <a:gd name="adj2" fmla="val 54498"/>
+              <a:gd name="adj3" fmla="val 46453"/>
+            </a:avLst>
+          </a:prstGeom>
+        </p:spPr>
+        <p:style>
+          <a:lnRef idx="1">
+            <a:schemeClr val="accent2"/>
+          </a:lnRef>
+          <a:fillRef idx="2">
+            <a:schemeClr val="accent2"/>
+          </a:fillRef>
+          <a:effectRef idx="1">
+            <a:schemeClr val="accent2"/>
+          </a:effectRef>
+          <a:fontRef idx="minor">
+            <a:schemeClr val="dk1"/>
+          </a:fontRef>
+        </p:style>
+        <p:txBody>
+          <a:bodyPr rtlCol="0" anchor="ctr"/>
+          <a:lstStyle/>
+          <a:p>
+            <a:pPr algn="ctr"/>
+            <a:endParaRPr lang="pt-BR">
+              <a:solidFill>
+                <a:schemeClr val="tx1"/>
+              </a:solidFill>
+            </a:endParaRPr>
+          </a:p>
+        </p:txBody>
+      </p:sp>
+      <p:sp>
+        <p:nvSpPr>
+          <p:cNvPr id="46" name="CaixaDeTexto 45"/>
+          <p:cNvSpPr txBox="1"/>
+          <p:nvPr/>
+        </p:nvSpPr>
+        <p:spPr>
+          <a:xfrm>
+            <a:off x="5804683" y="2924944"/>
+            <a:ext cx="1287597" cy="646331"/>
+          </a:xfrm>
+          <a:prstGeom prst="rect">
+            <a:avLst/>
+          </a:prstGeom>
+          <a:noFill/>
+        </p:spPr>
+        <p:txBody>
+          <a:bodyPr wrap="none" rtlCol="0">
+            <a:spAutoFit/>
+          </a:bodyPr>
+          <a:lstStyle/>
+          <a:p>
+            <a:r>
+              <a:rPr lang="pt-BR" dirty="0" smtClean="0"/>
+              <a:t>Melhorar o </a:t>
+            </a:r>
+          </a:p>
+          <a:p>
+            <a:r>
+              <a:rPr lang="pt-BR" dirty="0" smtClean="0"/>
+              <a:t>código</a:t>
+            </a:r>
+            <a:endParaRPr lang="pt-BR" dirty="0"/>
+          </a:p>
+        </p:txBody>
+      </p:sp>
+      <p:sp>
+        <p:nvSpPr>
+          <p:cNvPr id="47" name="Seta em curva para baixo 46"/>
+          <p:cNvSpPr/>
+          <p:nvPr/>
+        </p:nvSpPr>
+        <p:spPr>
+          <a:xfrm rot="4093643">
+            <a:off x="6508782" y="3556347"/>
+            <a:ext cx="1312530" cy="446695"/>
+          </a:xfrm>
+          <a:prstGeom prst="curvedDownArrow">
+            <a:avLst>
+              <a:gd name="adj1" fmla="val 25000"/>
+              <a:gd name="adj2" fmla="val 53382"/>
+              <a:gd name="adj3" fmla="val 36032"/>
+            </a:avLst>
+          </a:prstGeom>
+        </p:spPr>
+        <p:style>
+          <a:lnRef idx="1">
+            <a:schemeClr val="accent2"/>
+          </a:lnRef>
+          <a:fillRef idx="2">
+            <a:schemeClr val="accent2"/>
+          </a:fillRef>
+          <a:effectRef idx="1">
+            <a:schemeClr val="accent2"/>
+          </a:effectRef>
+          <a:fontRef idx="minor">
+            <a:schemeClr val="dk1"/>
+          </a:fontRef>
+        </p:style>
+        <p:txBody>
+          <a:bodyPr rtlCol="0" anchor="ctr"/>
+          <a:lstStyle/>
+          <a:p>
+            <a:pPr algn="ctr"/>
+            <a:endParaRPr lang="pt-BR" b="1">
+              <a:ln w="18000">
+                <a:solidFill>
+                  <a:schemeClr val="accent2">
+                    <a:satMod val="140000"/>
+                  </a:schemeClr>
+                </a:solidFill>
+                <a:prstDash val="solid"/>
+                <a:miter lim="800000"/>
+              </a:ln>
+              <a:noFill/>
+              <a:effectLst>
+                <a:outerShdw blurRad="25500" dist="23000" dir="7020000" algn="tl">
+                  <a:srgbClr val="000000">
+                    <a:alpha val="50000"/>
+                  </a:srgbClr>
+                </a:outerShdw>
+              </a:effectLst>
+            </a:endParaRPr>
+          </a:p>
+        </p:txBody>
+      </p:sp>
+      <p:sp>
+        <p:nvSpPr>
+          <p:cNvPr id="48" name="CaixaDeTexto 47"/>
+          <p:cNvSpPr txBox="1"/>
+          <p:nvPr/>
+        </p:nvSpPr>
+        <p:spPr>
+          <a:xfrm>
+            <a:off x="462857" y="5969863"/>
+            <a:ext cx="1759584" cy="646331"/>
+          </a:xfrm>
+          <a:prstGeom prst="rect">
+            <a:avLst/>
+          </a:prstGeom>
+          <a:noFill/>
+        </p:spPr>
+        <p:txBody>
+          <a:bodyPr wrap="none" rtlCol="0">
+            <a:spAutoFit/>
+          </a:bodyPr>
+          <a:lstStyle/>
+          <a:p>
+            <a:r>
+              <a:rPr lang="pt-BR" dirty="0" smtClean="0"/>
+              <a:t>Reduzir os bugs, </a:t>
+            </a:r>
+          </a:p>
+          <a:p>
+            <a:r>
+              <a:rPr lang="pt-BR" dirty="0" smtClean="0"/>
+              <a:t>falhas e erros</a:t>
+            </a:r>
+            <a:endParaRPr lang="pt-BR" dirty="0"/>
+          </a:p>
+        </p:txBody>
+      </p:sp>
+      <p:sp>
+        <p:nvSpPr>
+          <p:cNvPr id="51" name="CaixaDeTexto 50"/>
+          <p:cNvSpPr txBox="1"/>
+          <p:nvPr/>
+        </p:nvSpPr>
+        <p:spPr>
+          <a:xfrm>
+            <a:off x="7194840" y="6021798"/>
+            <a:ext cx="1985672" cy="646331"/>
+          </a:xfrm>
+          <a:prstGeom prst="rect">
+            <a:avLst/>
+          </a:prstGeom>
+          <a:noFill/>
+        </p:spPr>
+        <p:txBody>
+          <a:bodyPr wrap="none" rtlCol="0">
+            <a:spAutoFit/>
+          </a:bodyPr>
+          <a:lstStyle/>
+          <a:p>
+            <a:pPr algn="r"/>
+            <a:r>
+              <a:rPr lang="pt-BR" dirty="0" smtClean="0"/>
+              <a:t>Agilize a execução</a:t>
+            </a:r>
+          </a:p>
+          <a:p>
+            <a:pPr algn="r"/>
+            <a:r>
+              <a:rPr lang="pt-BR" dirty="0" smtClean="0"/>
+              <a:t>dos testes e deploy</a:t>
+            </a:r>
+            <a:endParaRPr lang="pt-BR" dirty="0"/>
+          </a:p>
+        </p:txBody>
+      </p:sp>
+      <p:sp>
+        <p:nvSpPr>
+          <p:cNvPr id="52" name="Seta em curva para cima 51"/>
+          <p:cNvSpPr/>
+          <p:nvPr/>
+        </p:nvSpPr>
+        <p:spPr>
+          <a:xfrm rot="12332753">
+            <a:off x="7128074" y="5337723"/>
+            <a:ext cx="1458959" cy="463660"/>
+          </a:xfrm>
+          <a:prstGeom prst="curvedUpArrow">
+            <a:avLst>
+              <a:gd name="adj1" fmla="val 25000"/>
+              <a:gd name="adj2" fmla="val 54498"/>
+              <a:gd name="adj3" fmla="val 46453"/>
+            </a:avLst>
+          </a:prstGeom>
+        </p:spPr>
+        <p:style>
+          <a:lnRef idx="1">
+            <a:schemeClr val="accent2"/>
+          </a:lnRef>
+          <a:fillRef idx="2">
+            <a:schemeClr val="accent2"/>
+          </a:fillRef>
+          <a:effectRef idx="1">
+            <a:schemeClr val="accent2"/>
+          </a:effectRef>
+          <a:fontRef idx="minor">
+            <a:schemeClr val="dk1"/>
+          </a:fontRef>
+        </p:style>
+        <p:txBody>
+          <a:bodyPr rtlCol="0" anchor="ctr"/>
+          <a:lstStyle/>
+          <a:p>
+            <a:pPr algn="ctr"/>
+            <a:endParaRPr lang="pt-BR">
+              <a:solidFill>
+                <a:schemeClr val="tx1"/>
+              </a:solidFill>
+            </a:endParaRPr>
+          </a:p>
+        </p:txBody>
+      </p:sp>
+      <p:sp>
+        <p:nvSpPr>
+          <p:cNvPr id="7" name="Seta em curva para baixo 6"/>
+          <p:cNvSpPr/>
+          <p:nvPr/>
+        </p:nvSpPr>
+        <p:spPr>
+          <a:xfrm rot="1814727">
+            <a:off x="2906932" y="1340768"/>
+            <a:ext cx="1158685" cy="360040"/>
+          </a:xfrm>
+          <a:prstGeom prst="curvedDownArrow">
+            <a:avLst>
+              <a:gd name="adj1" fmla="val 35903"/>
+              <a:gd name="adj2" fmla="val 87305"/>
+              <a:gd name="adj3" fmla="val 49525"/>
+            </a:avLst>
+          </a:prstGeom>
+          <a:ln>
+            <a:solidFill>
+              <a:schemeClr val="tx1"/>
+            </a:solidFill>
+          </a:ln>
+        </p:spPr>
+        <p:style>
+          <a:lnRef idx="1">
+            <a:schemeClr val="accent1"/>
+          </a:lnRef>
+          <a:fillRef idx="3">
+            <a:schemeClr val="accent1"/>
+          </a:fillRef>
+          <a:effectRef idx="2">
+            <a:schemeClr val="accent1"/>
+          </a:effectRef>
+          <a:fontRef idx="minor">
+            <a:schemeClr val="lt1"/>
+          </a:fontRef>
+        </p:style>
+        <p:txBody>
+          <a:bodyPr rtlCol="0" anchor="ctr"/>
+          <a:lstStyle/>
+          <a:p>
+            <a:pPr algn="ctr"/>
+            <a:endParaRPr lang="pt-BR">
+              <a:solidFill>
+                <a:schemeClr val="tx1"/>
+              </a:solidFill>
+            </a:endParaRPr>
+          </a:p>
+        </p:txBody>
+      </p:sp>
+      <p:sp>
+        <p:nvSpPr>
+          <p:cNvPr id="8" name="Seta em curva para a direita 7"/>
+          <p:cNvSpPr/>
+          <p:nvPr/>
+        </p:nvSpPr>
+        <p:spPr>
+          <a:xfrm rot="21310234">
+            <a:off x="2226598" y="1658472"/>
+            <a:ext cx="559920" cy="2182472"/>
+          </a:xfrm>
+          <a:prstGeom prst="curvedRightArrow">
+            <a:avLst>
+              <a:gd name="adj1" fmla="val 24026"/>
+              <a:gd name="adj2" fmla="val 58795"/>
+              <a:gd name="adj3" fmla="val 25802"/>
+            </a:avLst>
+          </a:prstGeom>
+          <a:ln>
+            <a:solidFill>
+              <a:schemeClr val="tx1"/>
+            </a:solidFill>
+          </a:ln>
+        </p:spPr>
+        <p:style>
+          <a:lnRef idx="1">
+            <a:schemeClr val="accent1"/>
+          </a:lnRef>
+          <a:fillRef idx="3">
+            <a:schemeClr val="accent1"/>
+          </a:fillRef>
+          <a:effectRef idx="2">
+            <a:schemeClr val="accent1"/>
+          </a:effectRef>
+          <a:fontRef idx="minor">
+            <a:schemeClr val="lt1"/>
+          </a:fontRef>
+        </p:style>
+        <p:txBody>
+          <a:bodyPr rtlCol="0" anchor="ctr"/>
+          <a:lstStyle/>
+          <a:p>
+            <a:pPr algn="ctr"/>
+            <a:endParaRPr lang="pt-BR">
+              <a:solidFill>
+                <a:schemeClr val="tx1"/>
+              </a:solidFill>
+            </a:endParaRPr>
+          </a:p>
+        </p:txBody>
+      </p:sp>
+      <p:sp>
+        <p:nvSpPr>
+          <p:cNvPr id="9" name="Seta em curva para a direita 8"/>
+          <p:cNvSpPr/>
+          <p:nvPr/>
+        </p:nvSpPr>
+        <p:spPr>
+          <a:xfrm rot="20227554">
+            <a:off x="2235003" y="1634550"/>
+            <a:ext cx="956736" cy="4582868"/>
+          </a:xfrm>
+          <a:prstGeom prst="curvedRightArrow">
+            <a:avLst>
+              <a:gd name="adj1" fmla="val 8535"/>
+              <a:gd name="adj2" fmla="val 37006"/>
+              <a:gd name="adj3" fmla="val 28793"/>
+            </a:avLst>
+          </a:prstGeom>
+          <a:ln>
+            <a:solidFill>
+              <a:schemeClr val="tx1"/>
+            </a:solidFill>
+          </a:ln>
+        </p:spPr>
+        <p:style>
+          <a:lnRef idx="1">
+            <a:schemeClr val="accent1"/>
+          </a:lnRef>
+          <a:fillRef idx="3">
+            <a:schemeClr val="accent1"/>
+          </a:fillRef>
+          <a:effectRef idx="2">
+            <a:schemeClr val="accent1"/>
+          </a:effectRef>
+          <a:fontRef idx="minor">
+            <a:schemeClr val="lt1"/>
+          </a:fontRef>
+        </p:style>
+        <p:txBody>
+          <a:bodyPr rtlCol="0" anchor="ctr"/>
+          <a:lstStyle/>
+          <a:p>
+            <a:pPr algn="ctr"/>
+            <a:endParaRPr lang="pt-BR">
+              <a:solidFill>
+                <a:schemeClr val="tx1"/>
+              </a:solidFill>
+            </a:endParaRPr>
+          </a:p>
+        </p:txBody>
+      </p:sp>
+      <p:sp>
+        <p:nvSpPr>
+          <p:cNvPr id="41" name="Seta em curva para baixo 40"/>
+          <p:cNvSpPr/>
+          <p:nvPr/>
+        </p:nvSpPr>
+        <p:spPr>
+          <a:xfrm rot="820679">
+            <a:off x="1126134" y="2518179"/>
+            <a:ext cx="2484215" cy="772070"/>
+          </a:xfrm>
+          <a:prstGeom prst="curvedDownArrow">
+            <a:avLst>
+              <a:gd name="adj1" fmla="val 25000"/>
+              <a:gd name="adj2" fmla="val 53382"/>
+              <a:gd name="adj3" fmla="val 36032"/>
+            </a:avLst>
+          </a:prstGeom>
+        </p:spPr>
+        <p:style>
+          <a:lnRef idx="1">
+            <a:schemeClr val="accent2"/>
+          </a:lnRef>
+          <a:fillRef idx="2">
+            <a:schemeClr val="accent2"/>
+          </a:fillRef>
+          <a:effectRef idx="1">
+            <a:schemeClr val="accent2"/>
+          </a:effectRef>
+          <a:fontRef idx="minor">
+            <a:schemeClr val="dk1"/>
+          </a:fontRef>
+        </p:style>
+        <p:txBody>
+          <a:bodyPr rtlCol="0" anchor="ctr"/>
+          <a:lstStyle/>
+          <a:p>
+            <a:pPr algn="ctr"/>
+            <a:endParaRPr lang="pt-BR" b="1">
+              <a:ln w="18000">
+                <a:solidFill>
+                  <a:schemeClr val="accent2">
+                    <a:satMod val="140000"/>
+                  </a:schemeClr>
+                </a:solidFill>
+                <a:prstDash val="solid"/>
+                <a:miter lim="800000"/>
+              </a:ln>
+              <a:noFill/>
+              <a:effectLst>
+                <a:outerShdw blurRad="25500" dist="23000" dir="7020000" algn="tl">
+                  <a:srgbClr val="000000">
+                    <a:alpha val="50000"/>
+                  </a:srgbClr>
+                </a:outerShdw>
+              </a:effectLst>
+            </a:endParaRPr>
+          </a:p>
+        </p:txBody>
+      </p:sp>
+      <p:sp>
+        <p:nvSpPr>
+          <p:cNvPr id="49" name="Seta em curva para baixo 48"/>
+          <p:cNvSpPr/>
+          <p:nvPr/>
+        </p:nvSpPr>
+        <p:spPr>
+          <a:xfrm rot="20750847">
+            <a:off x="1407546" y="4874687"/>
+            <a:ext cx="2740324" cy="854700"/>
+          </a:xfrm>
+          <a:prstGeom prst="curvedDownArrow">
+            <a:avLst>
+              <a:gd name="adj1" fmla="val 12202"/>
+              <a:gd name="adj2" fmla="val 53382"/>
+              <a:gd name="adj3" fmla="val 37748"/>
+            </a:avLst>
+          </a:prstGeom>
+        </p:spPr>
+        <p:style>
+          <a:lnRef idx="1">
+            <a:schemeClr val="accent2"/>
+          </a:lnRef>
+          <a:fillRef idx="2">
+            <a:schemeClr val="accent2"/>
+          </a:fillRef>
+          <a:effectRef idx="1">
+            <a:schemeClr val="accent2"/>
+          </a:effectRef>
+          <a:fontRef idx="minor">
+            <a:schemeClr val="dk1"/>
+          </a:fontRef>
+        </p:style>
+        <p:txBody>
+          <a:bodyPr rtlCol="0" anchor="ctr"/>
+          <a:lstStyle/>
+          <a:p>
+            <a:pPr algn="ctr"/>
+            <a:endParaRPr lang="pt-BR" b="1">
+              <a:ln w="18000">
+                <a:solidFill>
+                  <a:schemeClr val="accent2">
+                    <a:satMod val="140000"/>
+                  </a:schemeClr>
+                </a:solidFill>
+                <a:prstDash val="solid"/>
+                <a:miter lim="800000"/>
+              </a:ln>
+              <a:noFill/>
+              <a:effectLst>
+                <a:outerShdw blurRad="25500" dist="23000" dir="7020000" algn="tl">
+                  <a:srgbClr val="000000">
+                    <a:alpha val="50000"/>
+                  </a:srgbClr>
+                </a:outerShdw>
+              </a:effectLst>
+            </a:endParaRPr>
+          </a:p>
+        </p:txBody>
+      </p:sp>
+      <p:sp>
+        <p:nvSpPr>
+          <p:cNvPr id="10" name="Seta em curva para a esquerda 9"/>
+          <p:cNvSpPr/>
+          <p:nvPr/>
+        </p:nvSpPr>
+        <p:spPr>
+          <a:xfrm rot="529140">
+            <a:off x="4041310" y="2598212"/>
+            <a:ext cx="445137" cy="1150377"/>
+          </a:xfrm>
+          <a:prstGeom prst="curvedLeftArrow">
+            <a:avLst>
+              <a:gd name="adj1" fmla="val 25000"/>
+              <a:gd name="adj2" fmla="val 62748"/>
+              <a:gd name="adj3" fmla="val 38934"/>
+            </a:avLst>
+          </a:prstGeom>
+          <a:ln>
+            <a:solidFill>
+              <a:schemeClr val="tx1"/>
+            </a:solidFill>
+          </a:ln>
+        </p:spPr>
+        <p:style>
+          <a:lnRef idx="1">
+            <a:schemeClr val="accent1"/>
+          </a:lnRef>
+          <a:fillRef idx="3">
+            <a:schemeClr val="accent1"/>
+          </a:fillRef>
+          <a:effectRef idx="2">
+            <a:schemeClr val="accent1"/>
+          </a:effectRef>
+          <a:fontRef idx="minor">
+            <a:schemeClr val="lt1"/>
+          </a:fontRef>
+        </p:style>
+        <p:txBody>
+          <a:bodyPr rtlCol="0" anchor="ctr"/>
+          <a:lstStyle/>
+          <a:p>
+            <a:pPr algn="ctr"/>
+            <a:endParaRPr lang="pt-BR">
+              <a:solidFill>
+                <a:schemeClr val="tx1"/>
+              </a:solidFill>
+            </a:endParaRPr>
+          </a:p>
+        </p:txBody>
+      </p:sp>
+      <p:sp>
+        <p:nvSpPr>
+          <p:cNvPr id="50" name="Seta em curva para a direita 49"/>
+          <p:cNvSpPr/>
+          <p:nvPr/>
+        </p:nvSpPr>
+        <p:spPr>
+          <a:xfrm rot="16658410">
+            <a:off x="5186211" y="5741772"/>
+            <a:ext cx="473643" cy="1352274"/>
+          </a:xfrm>
+          <a:prstGeom prst="curvedRightArrow">
+            <a:avLst>
+              <a:gd name="adj1" fmla="val 24026"/>
+              <a:gd name="adj2" fmla="val 58795"/>
+              <a:gd name="adj3" fmla="val 25802"/>
+            </a:avLst>
+          </a:prstGeom>
+          <a:ln>
+            <a:solidFill>
+              <a:schemeClr val="tx1"/>
+            </a:solidFill>
+          </a:ln>
+        </p:spPr>
+        <p:style>
+          <a:lnRef idx="1">
+            <a:schemeClr val="accent1"/>
+          </a:lnRef>
+          <a:fillRef idx="3">
+            <a:schemeClr val="accent1"/>
+          </a:fillRef>
+          <a:effectRef idx="2">
+            <a:schemeClr val="accent1"/>
+          </a:effectRef>
+          <a:fontRef idx="minor">
+            <a:schemeClr val="lt1"/>
+          </a:fontRef>
+        </p:style>
+        <p:txBody>
+          <a:bodyPr rtlCol="0" anchor="ctr"/>
+          <a:lstStyle/>
+          <a:p>
+            <a:pPr algn="ctr"/>
+            <a:endParaRPr lang="pt-BR">
+              <a:solidFill>
+                <a:schemeClr val="tx1"/>
+              </a:solidFill>
+            </a:endParaRPr>
+          </a:p>
+        </p:txBody>
+      </p:sp>
+      <p:sp>
+        <p:nvSpPr>
+          <p:cNvPr id="54" name="Seta em curva para a esquerda 53"/>
+          <p:cNvSpPr/>
+          <p:nvPr/>
+        </p:nvSpPr>
+        <p:spPr>
+          <a:xfrm rot="20903463">
+            <a:off x="4659884" y="2163968"/>
+            <a:ext cx="871797" cy="3421930"/>
+          </a:xfrm>
+          <a:prstGeom prst="curvedLeftArrow">
+            <a:avLst>
+              <a:gd name="adj1" fmla="val 11153"/>
+              <a:gd name="adj2" fmla="val 24891"/>
+              <a:gd name="adj3" fmla="val 21520"/>
+            </a:avLst>
+          </a:prstGeom>
+          <a:ln>
+            <a:solidFill>
+              <a:schemeClr val="tx1"/>
+            </a:solidFill>
+          </a:ln>
+        </p:spPr>
+        <p:style>
+          <a:lnRef idx="1">
+            <a:schemeClr val="accent1"/>
+          </a:lnRef>
+          <a:fillRef idx="3">
+            <a:schemeClr val="accent1"/>
+          </a:fillRef>
+          <a:effectRef idx="2">
+            <a:schemeClr val="accent1"/>
+          </a:effectRef>
+          <a:fontRef idx="minor">
+            <a:schemeClr val="lt1"/>
+          </a:fontRef>
+        </p:style>
+        <p:txBody>
+          <a:bodyPr rtlCol="0" anchor="ctr"/>
+          <a:lstStyle/>
+          <a:p>
+            <a:pPr algn="ctr"/>
+            <a:endParaRPr lang="pt-BR">
+              <a:solidFill>
+                <a:schemeClr val="tx1"/>
+              </a:solidFill>
+            </a:endParaRPr>
+          </a:p>
+        </p:txBody>
+      </p:sp>
+      <p:sp>
+        <p:nvSpPr>
+          <p:cNvPr id="42" name="Seta em curva para a esquerda 41"/>
+          <p:cNvSpPr/>
+          <p:nvPr/>
+        </p:nvSpPr>
+        <p:spPr>
+          <a:xfrm rot="13793448">
+            <a:off x="4749012" y="3306398"/>
+            <a:ext cx="773821" cy="2329234"/>
+          </a:xfrm>
+          <a:prstGeom prst="curvedLeftArrow">
+            <a:avLst>
+              <a:gd name="adj1" fmla="val 12557"/>
+              <a:gd name="adj2" fmla="val 44609"/>
+              <a:gd name="adj3" fmla="val 35074"/>
+            </a:avLst>
+          </a:prstGeom>
+          <a:ln>
+            <a:solidFill>
+              <a:schemeClr val="tx1"/>
+            </a:solidFill>
+          </a:ln>
+        </p:spPr>
+        <p:style>
+          <a:lnRef idx="1">
+            <a:schemeClr val="accent1"/>
+          </a:lnRef>
+          <a:fillRef idx="3">
+            <a:schemeClr val="accent1"/>
+          </a:fillRef>
+          <a:effectRef idx="2">
+            <a:schemeClr val="accent1"/>
+          </a:effectRef>
+          <a:fontRef idx="minor">
+            <a:schemeClr val="lt1"/>
+          </a:fontRef>
+        </p:style>
+        <p:txBody>
+          <a:bodyPr rtlCol="0" anchor="ctr"/>
+          <a:lstStyle/>
+          <a:p>
+            <a:pPr algn="ctr"/>
+            <a:endParaRPr lang="pt-BR">
+              <a:solidFill>
+                <a:schemeClr val="tx1"/>
+              </a:solidFill>
+            </a:endParaRPr>
+          </a:p>
+        </p:txBody>
+      </p:sp>
+      <p:sp>
+        <p:nvSpPr>
+          <p:cNvPr id="55" name="Seta em curva para baixo 54"/>
+          <p:cNvSpPr/>
+          <p:nvPr/>
+        </p:nvSpPr>
+        <p:spPr>
+          <a:xfrm rot="227918">
+            <a:off x="4311014" y="1568657"/>
+            <a:ext cx="1799908" cy="474209"/>
+          </a:xfrm>
+          <a:prstGeom prst="curvedDownArrow">
+            <a:avLst>
+              <a:gd name="adj1" fmla="val 22588"/>
+              <a:gd name="adj2" fmla="val 87305"/>
+              <a:gd name="adj3" fmla="val 49525"/>
+            </a:avLst>
+          </a:prstGeom>
+          <a:ln>
+            <a:solidFill>
+              <a:schemeClr val="tx1"/>
+            </a:solidFill>
+          </a:ln>
+        </p:spPr>
+        <p:style>
+          <a:lnRef idx="1">
+            <a:schemeClr val="accent1"/>
+          </a:lnRef>
+          <a:fillRef idx="3">
+            <a:schemeClr val="accent1"/>
+          </a:fillRef>
+          <a:effectRef idx="2">
+            <a:schemeClr val="accent1"/>
+          </a:effectRef>
+          <a:fontRef idx="minor">
+            <a:schemeClr val="lt1"/>
+          </a:fontRef>
+        </p:style>
+        <p:txBody>
+          <a:bodyPr rtlCol="0" anchor="ctr"/>
+          <a:lstStyle/>
+          <a:p>
+            <a:pPr algn="ctr"/>
+            <a:endParaRPr lang="pt-BR">
+              <a:solidFill>
+                <a:schemeClr val="tx1"/>
+              </a:solidFill>
+            </a:endParaRPr>
+          </a:p>
+        </p:txBody>
+      </p:sp>
+    </p:spTree>
+    <p:extLst>
+      <p:ext uri="{BB962C8B-B14F-4D97-AF65-F5344CB8AC3E}">
+        <p14:creationId xmlns:p14="http://schemas.microsoft.com/office/powerpoint/2010/main" val="3110495993"/>
+      </p:ext>
+    </p:extLst>
+  </p:cSld>
+  <p:clrMapOvr>
+    <a:masterClrMapping/>
+  </p:clrMapOvr>
+  <mc:AlternateContent xmlns:mc="http://schemas.openxmlformats.org/markup-compatibility/2006">
+    <mc:Choice xmlns:p14="http://schemas.microsoft.com/office/powerpoint/2010/main" Requires="p14">
+      <p:transition spd="slow" p14:dur="2000"/>
+    </mc:Choice>
+    <mc:Fallback>
+      <p:transition spd="slow"/>
+    </mc:Fallback>
+  </mc:AlternateContent>
+  <p:timing>
+    <p:tnLst>
+      <p:par>
+        <p:cTn id="1" dur="indefinite" restart="never" nodeType="tmRoot"/>
+      </p:par>
+    </p:tnLst>
+  </p:timing>
 </p:sld>
 </file>
 
